--- a/src/figures/graph-scan.pptx
+++ b/src/figures/graph-scan.pptx
@@ -5,14 +5,16 @@
     <p:sldMasterId id="2147483792" r:id="rId1"/>
   </p:sldMasterIdLst>
   <p:notesMasterIdLst>
-    <p:notesMasterId r:id="rId7"/>
+    <p:notesMasterId r:id="rId9"/>
   </p:notesMasterIdLst>
   <p:sldIdLst>
     <p:sldId id="256" r:id="rId2"/>
-    <p:sldId id="291" r:id="rId3"/>
-    <p:sldId id="292" r:id="rId4"/>
-    <p:sldId id="293" r:id="rId5"/>
-    <p:sldId id="294" r:id="rId6"/>
+    <p:sldId id="295" r:id="rId3"/>
+    <p:sldId id="297" r:id="rId4"/>
+    <p:sldId id="291" r:id="rId5"/>
+    <p:sldId id="292" r:id="rId6"/>
+    <p:sldId id="293" r:id="rId7"/>
+    <p:sldId id="294" r:id="rId8"/>
   </p:sldIdLst>
   <p:sldSz cx="5400675" cy="5400675"/>
   <p:notesSz cx="6858000" cy="9144000"/>
@@ -1273,6 +1275,840 @@
           </c:marker>
           <c:xVal>
             <c:numRef>
+              <c:f>Sheet1!$A$2:$A$5</c:f>
+              <c:numCache>
+                <c:formatCode>General</c:formatCode>
+                <c:ptCount val="4"/>
+                <c:pt idx="0">
+                  <c:v>1024</c:v>
+                </c:pt>
+                <c:pt idx="1">
+                  <c:v>2048</c:v>
+                </c:pt>
+                <c:pt idx="2">
+                  <c:v>4096</c:v>
+                </c:pt>
+                <c:pt idx="3">
+                  <c:v>8192</c:v>
+                </c:pt>
+              </c:numCache>
+            </c:numRef>
+          </c:xVal>
+          <c:yVal>
+            <c:numRef>
+              <c:f>Sheet1!$B$2:$B$5</c:f>
+              <c:numCache>
+                <c:formatCode>General</c:formatCode>
+                <c:ptCount val="4"/>
+                <c:pt idx="0">
+                  <c:v>2.0801379999999998</c:v>
+                </c:pt>
+                <c:pt idx="1">
+                  <c:v>2.1202380000000001</c:v>
+                </c:pt>
+                <c:pt idx="2">
+                  <c:v>2.249838</c:v>
+                </c:pt>
+                <c:pt idx="3">
+                  <c:v>2.1788059999999998</c:v>
+                </c:pt>
+              </c:numCache>
+            </c:numRef>
+          </c:yVal>
+          <c:smooth val="0"/>
+          <c:extLst>
+            <c:ext xmlns:c16="http://schemas.microsoft.com/office/drawing/2014/chart" uri="{C3380CC4-5D6E-409C-BE32-E72D297353CC}">
+              <c16:uniqueId val="{00000000-EBB9-4250-B558-4984050C9752}"/>
+            </c:ext>
+          </c:extLst>
+        </c:ser>
+        <c:ser>
+          <c:idx val="1"/>
+          <c:order val="1"/>
+          <c:tx>
+            <c:strRef>
+              <c:f>Sheet1!$C$1</c:f>
+              <c:strCache>
+                <c:ptCount val="1"/>
+                <c:pt idx="0">
+                  <c:v>uart</c:v>
+                </c:pt>
+              </c:strCache>
+            </c:strRef>
+          </c:tx>
+          <c:spPr>
+            <a:ln w="38100" cap="rnd">
+              <a:solidFill>
+                <a:schemeClr val="accent2"/>
+              </a:solidFill>
+              <a:round/>
+            </a:ln>
+            <a:effectLst/>
+          </c:spPr>
+          <c:marker>
+            <c:symbol val="square"/>
+            <c:size val="10"/>
+            <c:spPr>
+              <a:solidFill>
+                <a:schemeClr val="accent2">
+                  <a:lumMod val="60000"/>
+                  <a:lumOff val="40000"/>
+                </a:schemeClr>
+              </a:solidFill>
+              <a:ln w="25400">
+                <a:solidFill>
+                  <a:schemeClr val="accent2">
+                    <a:lumMod val="75000"/>
+                  </a:schemeClr>
+                </a:solidFill>
+              </a:ln>
+              <a:effectLst/>
+            </c:spPr>
+          </c:marker>
+          <c:xVal>
+            <c:numRef>
+              <c:f>Sheet1!$A$2:$A$5</c:f>
+              <c:numCache>
+                <c:formatCode>General</c:formatCode>
+                <c:ptCount val="4"/>
+                <c:pt idx="0">
+                  <c:v>1024</c:v>
+                </c:pt>
+                <c:pt idx="1">
+                  <c:v>2048</c:v>
+                </c:pt>
+                <c:pt idx="2">
+                  <c:v>4096</c:v>
+                </c:pt>
+                <c:pt idx="3">
+                  <c:v>8192</c:v>
+                </c:pt>
+              </c:numCache>
+            </c:numRef>
+          </c:xVal>
+          <c:yVal>
+            <c:numRef>
+              <c:f>Sheet1!$C$2:$C$5</c:f>
+              <c:numCache>
+                <c:formatCode>General</c:formatCode>
+                <c:ptCount val="4"/>
+                <c:pt idx="0">
+                  <c:v>1.558192</c:v>
+                </c:pt>
+                <c:pt idx="1">
+                  <c:v>1.608136</c:v>
+                </c:pt>
+                <c:pt idx="2">
+                  <c:v>1.392612</c:v>
+                </c:pt>
+                <c:pt idx="3">
+                  <c:v>1.193228</c:v>
+                </c:pt>
+              </c:numCache>
+            </c:numRef>
+          </c:yVal>
+          <c:smooth val="0"/>
+          <c:extLst>
+            <c:ext xmlns:c16="http://schemas.microsoft.com/office/drawing/2014/chart" uri="{C3380CC4-5D6E-409C-BE32-E72D297353CC}">
+              <c16:uniqueId val="{00000001-EBB9-4250-B558-4984050C9752}"/>
+            </c:ext>
+          </c:extLst>
+        </c:ser>
+        <c:dLbls>
+          <c:showLegendKey val="0"/>
+          <c:showVal val="0"/>
+          <c:showCatName val="0"/>
+          <c:showSerName val="0"/>
+          <c:showPercent val="0"/>
+          <c:showBubbleSize val="0"/>
+        </c:dLbls>
+        <c:axId val="538621999"/>
+        <c:axId val="773771647"/>
+      </c:scatterChart>
+      <c:valAx>
+        <c:axId val="538621999"/>
+        <c:scaling>
+          <c:logBase val="2"/>
+          <c:orientation val="minMax"/>
+          <c:min val="1024"/>
+        </c:scaling>
+        <c:delete val="0"/>
+        <c:axPos val="b"/>
+        <c:numFmt formatCode="General" sourceLinked="1"/>
+        <c:majorTickMark val="in"/>
+        <c:minorTickMark val="none"/>
+        <c:tickLblPos val="nextTo"/>
+        <c:spPr>
+          <a:noFill/>
+          <a:ln w="9525" cap="flat" cmpd="sng" algn="ctr">
+            <a:solidFill>
+              <a:schemeClr val="tx1"/>
+            </a:solidFill>
+            <a:round/>
+          </a:ln>
+          <a:effectLst/>
+        </c:spPr>
+        <c:txPr>
+          <a:bodyPr rot="-60000000" spcFirstLastPara="1" vertOverflow="ellipsis" vert="horz" wrap="square" anchor="ctr" anchorCtr="1"/>
+          <a:lstStyle/>
+          <a:p>
+            <a:pPr>
+              <a:defRPr sz="2000" b="0" i="0" u="none" strike="noStrike" kern="1200" baseline="0">
+                <a:solidFill>
+                  <a:sysClr val="windowText" lastClr="000000"/>
+                </a:solidFill>
+                <a:latin typeface="Cambria Math" panose="02040503050406030204" pitchFamily="18" charset="0"/>
+                <a:ea typeface="Cambria Math" panose="02040503050406030204" pitchFamily="18" charset="0"/>
+                <a:cs typeface="+mn-cs"/>
+              </a:defRPr>
+            </a:pPr>
+            <a:endParaRPr lang="ja-JP"/>
+          </a:p>
+        </c:txPr>
+        <c:crossAx val="773771647"/>
+        <c:crosses val="autoZero"/>
+        <c:crossBetween val="midCat"/>
+        <c:majorUnit val="2"/>
+      </c:valAx>
+      <c:valAx>
+        <c:axId val="773771647"/>
+        <c:scaling>
+          <c:orientation val="minMax"/>
+        </c:scaling>
+        <c:delete val="0"/>
+        <c:axPos val="l"/>
+        <c:majorGridlines>
+          <c:spPr>
+            <a:ln w="9525" cap="flat" cmpd="sng" algn="ctr">
+              <a:solidFill>
+                <a:schemeClr val="tx1">
+                  <a:lumMod val="15000"/>
+                  <a:lumOff val="85000"/>
+                </a:schemeClr>
+              </a:solidFill>
+              <a:round/>
+            </a:ln>
+            <a:effectLst/>
+          </c:spPr>
+        </c:majorGridlines>
+        <c:numFmt formatCode="General" sourceLinked="1"/>
+        <c:majorTickMark val="in"/>
+        <c:minorTickMark val="none"/>
+        <c:tickLblPos val="nextTo"/>
+        <c:spPr>
+          <a:noFill/>
+          <a:ln w="9525" cap="flat" cmpd="sng" algn="ctr">
+            <a:solidFill>
+              <a:schemeClr val="tx1"/>
+            </a:solidFill>
+            <a:round/>
+          </a:ln>
+          <a:effectLst/>
+        </c:spPr>
+        <c:txPr>
+          <a:bodyPr rot="-60000000" spcFirstLastPara="1" vertOverflow="ellipsis" vert="horz" wrap="square" anchor="ctr" anchorCtr="1"/>
+          <a:lstStyle/>
+          <a:p>
+            <a:pPr>
+              <a:defRPr sz="2000" b="0" i="0" u="none" strike="noStrike" kern="1200" baseline="0">
+                <a:solidFill>
+                  <a:sysClr val="windowText" lastClr="000000"/>
+                </a:solidFill>
+                <a:latin typeface="Cambria Math" panose="02040503050406030204" pitchFamily="18" charset="0"/>
+                <a:ea typeface="Cambria Math" panose="02040503050406030204" pitchFamily="18" charset="0"/>
+                <a:cs typeface="+mn-cs"/>
+              </a:defRPr>
+            </a:pPr>
+            <a:endParaRPr lang="ja-JP"/>
+          </a:p>
+        </c:txPr>
+        <c:crossAx val="538621999"/>
+        <c:crosses val="autoZero"/>
+        <c:crossBetween val="midCat"/>
+      </c:valAx>
+      <c:spPr>
+        <a:noFill/>
+        <a:ln w="9525">
+          <a:solidFill>
+            <a:schemeClr val="tx1"/>
+          </a:solidFill>
+        </a:ln>
+        <a:effectLst/>
+      </c:spPr>
+    </c:plotArea>
+    <c:legend>
+      <c:legendPos val="t"/>
+      <c:layout>
+        <c:manualLayout>
+          <c:xMode val="edge"/>
+          <c:yMode val="edge"/>
+          <c:x val="0"/>
+          <c:y val="1.1747727228101866E-3"/>
+          <c:w val="1"/>
+          <c:h val="0.15629582359755739"/>
+        </c:manualLayout>
+      </c:layout>
+      <c:overlay val="0"/>
+      <c:spPr>
+        <a:noFill/>
+        <a:ln>
+          <a:noFill/>
+        </a:ln>
+        <a:effectLst/>
+      </c:spPr>
+      <c:txPr>
+        <a:bodyPr rot="0" spcFirstLastPara="1" vertOverflow="ellipsis" vert="horz" wrap="square" anchor="ctr" anchorCtr="1"/>
+        <a:lstStyle/>
+        <a:p>
+          <a:pPr>
+            <a:defRPr sz="2000" b="0" i="0" u="none" strike="noStrike" kern="1200" baseline="0">
+              <a:solidFill>
+                <a:sysClr val="windowText" lastClr="000000"/>
+              </a:solidFill>
+              <a:latin typeface="Cambria Math" panose="02040503050406030204" pitchFamily="18" charset="0"/>
+              <a:ea typeface="Cambria Math" panose="02040503050406030204" pitchFamily="18" charset="0"/>
+              <a:cs typeface="+mn-cs"/>
+            </a:defRPr>
+          </a:pPr>
+          <a:endParaRPr lang="ja-JP"/>
+        </a:p>
+      </c:txPr>
+    </c:legend>
+    <c:plotVisOnly val="1"/>
+    <c:dispBlanksAs val="gap"/>
+    <c:extLst>
+      <c:ext xmlns:c16r3="http://schemas.microsoft.com/office/drawing/2017/03/chart" uri="{56B9EC1D-385E-4148-901F-78D8002777C0}">
+        <c16r3:dataDisplayOptions16>
+          <c16r3:dispNaAsBlank val="1"/>
+        </c16r3:dataDisplayOptions16>
+      </c:ext>
+    </c:extLst>
+    <c:showDLblsOverMax val="0"/>
+  </c:chart>
+  <c:spPr>
+    <a:noFill/>
+    <a:ln>
+      <a:noFill/>
+    </a:ln>
+    <a:effectLst/>
+  </c:spPr>
+  <c:txPr>
+    <a:bodyPr/>
+    <a:lstStyle/>
+    <a:p>
+      <a:pPr>
+        <a:defRPr sz="2000" baseline="0">
+          <a:solidFill>
+            <a:sysClr val="windowText" lastClr="000000"/>
+          </a:solidFill>
+          <a:latin typeface="Cambria Math" panose="02040503050406030204" pitchFamily="18" charset="0"/>
+          <a:ea typeface="Cambria Math" panose="02040503050406030204" pitchFamily="18" charset="0"/>
+        </a:defRPr>
+      </a:pPr>
+      <a:endParaRPr lang="ja-JP"/>
+    </a:p>
+  </c:txPr>
+  <c:externalData r:id="rId3">
+    <c:autoUpdate val="0"/>
+  </c:externalData>
+</c:chartSpace>
+</file>
+
+<file path=ppt/charts/chart3.xml><?xml version="1.0" encoding="utf-8"?>
+<c:chartSpace xmlns:c="http://schemas.openxmlformats.org/drawingml/2006/chart" xmlns:a="http://schemas.openxmlformats.org/drawingml/2006/main" xmlns:r="http://schemas.openxmlformats.org/officeDocument/2006/relationships" xmlns:c16r2="http://schemas.microsoft.com/office/drawing/2015/06/chart">
+  <c:date1904 val="0"/>
+  <c:lang val="ja-JP"/>
+  <c:roundedCorners val="0"/>
+  <mc:AlternateContent xmlns:mc="http://schemas.openxmlformats.org/markup-compatibility/2006">
+    <mc:Choice xmlns:c14="http://schemas.microsoft.com/office/drawing/2007/8/2/chart" Requires="c14">
+      <c14:style val="102"/>
+    </mc:Choice>
+    <mc:Fallback>
+      <c:style val="2"/>
+    </mc:Fallback>
+  </mc:AlternateContent>
+  <c:chart>
+    <c:autoTitleDeleted val="0"/>
+    <c:plotArea>
+      <c:layout>
+        <c:manualLayout>
+          <c:layoutTarget val="inner"/>
+          <c:xMode val="edge"/>
+          <c:yMode val="edge"/>
+          <c:x val="0.11625041711541959"/>
+          <c:y val="0.18456301910502854"/>
+          <c:w val="0.77245623514579154"/>
+          <c:h val="0.71997997211804665"/>
+        </c:manualLayout>
+      </c:layout>
+      <c:scatterChart>
+        <c:scatterStyle val="lineMarker"/>
+        <c:varyColors val="0"/>
+        <c:ser>
+          <c:idx val="0"/>
+          <c:order val="0"/>
+          <c:tx>
+            <c:strRef>
+              <c:f>Sheet1!$B$1</c:f>
+              <c:strCache>
+                <c:ptCount val="1"/>
+                <c:pt idx="0">
+                  <c:v>uart（改善）</c:v>
+                </c:pt>
+              </c:strCache>
+            </c:strRef>
+          </c:tx>
+          <c:spPr>
+            <a:ln w="38100" cap="rnd">
+              <a:solidFill>
+                <a:schemeClr val="accent5">
+                  <a:lumMod val="75000"/>
+                  <a:alpha val="99000"/>
+                </a:schemeClr>
+              </a:solidFill>
+              <a:round/>
+            </a:ln>
+            <a:effectLst/>
+          </c:spPr>
+          <c:marker>
+            <c:symbol val="circle"/>
+            <c:size val="10"/>
+            <c:spPr>
+              <a:solidFill>
+                <a:schemeClr val="accent1">
+                  <a:lumMod val="60000"/>
+                  <a:lumOff val="40000"/>
+                </a:schemeClr>
+              </a:solidFill>
+              <a:ln w="25400">
+                <a:solidFill>
+                  <a:schemeClr val="accent1">
+                    <a:lumMod val="75000"/>
+                  </a:schemeClr>
+                </a:solidFill>
+              </a:ln>
+              <a:effectLst/>
+            </c:spPr>
+          </c:marker>
+          <c:xVal>
+            <c:numRef>
+              <c:f>Sheet1!$A$2:$A$5</c:f>
+              <c:numCache>
+                <c:formatCode>General</c:formatCode>
+                <c:ptCount val="4"/>
+                <c:pt idx="0">
+                  <c:v>1024</c:v>
+                </c:pt>
+                <c:pt idx="1">
+                  <c:v>2048</c:v>
+                </c:pt>
+                <c:pt idx="2">
+                  <c:v>4096</c:v>
+                </c:pt>
+                <c:pt idx="3">
+                  <c:v>8192</c:v>
+                </c:pt>
+              </c:numCache>
+            </c:numRef>
+          </c:xVal>
+          <c:yVal>
+            <c:numRef>
+              <c:f>Sheet1!$B$2:$B$5</c:f>
+              <c:numCache>
+                <c:formatCode>General</c:formatCode>
+                <c:ptCount val="4"/>
+                <c:pt idx="0">
+                  <c:v>9.9345180000000006</c:v>
+                </c:pt>
+                <c:pt idx="1">
+                  <c:v>12.278</c:v>
+                </c:pt>
+                <c:pt idx="2">
+                  <c:v>13.464840000000001</c:v>
+                </c:pt>
+                <c:pt idx="3">
+                  <c:v>14.60004</c:v>
+                </c:pt>
+              </c:numCache>
+            </c:numRef>
+          </c:yVal>
+          <c:smooth val="0"/>
+          <c:extLst>
+            <c:ext xmlns:c16="http://schemas.microsoft.com/office/drawing/2014/chart" uri="{C3380CC4-5D6E-409C-BE32-E72D297353CC}">
+              <c16:uniqueId val="{00000000-EBB9-4250-B558-4984050C9752}"/>
+            </c:ext>
+          </c:extLst>
+        </c:ser>
+        <c:ser>
+          <c:idx val="1"/>
+          <c:order val="1"/>
+          <c:tx>
+            <c:strRef>
+              <c:f>Sheet1!$C$1</c:f>
+              <c:strCache>
+                <c:ptCount val="1"/>
+                <c:pt idx="0">
+                  <c:v>uart</c:v>
+                </c:pt>
+              </c:strCache>
+            </c:strRef>
+          </c:tx>
+          <c:spPr>
+            <a:ln w="38100" cap="rnd">
+              <a:solidFill>
+                <a:schemeClr val="accent2"/>
+              </a:solidFill>
+              <a:round/>
+            </a:ln>
+            <a:effectLst/>
+          </c:spPr>
+          <c:marker>
+            <c:symbol val="square"/>
+            <c:size val="10"/>
+            <c:spPr>
+              <a:solidFill>
+                <a:schemeClr val="accent2">
+                  <a:lumMod val="60000"/>
+                  <a:lumOff val="40000"/>
+                </a:schemeClr>
+              </a:solidFill>
+              <a:ln w="25400">
+                <a:solidFill>
+                  <a:schemeClr val="accent2">
+                    <a:lumMod val="75000"/>
+                  </a:schemeClr>
+                </a:solidFill>
+              </a:ln>
+              <a:effectLst/>
+            </c:spPr>
+          </c:marker>
+          <c:xVal>
+            <c:numRef>
+              <c:f>Sheet1!$A$2:$A$5</c:f>
+              <c:numCache>
+                <c:formatCode>General</c:formatCode>
+                <c:ptCount val="4"/>
+                <c:pt idx="0">
+                  <c:v>1024</c:v>
+                </c:pt>
+                <c:pt idx="1">
+                  <c:v>2048</c:v>
+                </c:pt>
+                <c:pt idx="2">
+                  <c:v>4096</c:v>
+                </c:pt>
+                <c:pt idx="3">
+                  <c:v>8192</c:v>
+                </c:pt>
+              </c:numCache>
+            </c:numRef>
+          </c:xVal>
+          <c:yVal>
+            <c:numRef>
+              <c:f>Sheet1!$C$2:$C$5</c:f>
+              <c:numCache>
+                <c:formatCode>General</c:formatCode>
+                <c:ptCount val="4"/>
+                <c:pt idx="0">
+                  <c:v>6.8116479999999999</c:v>
+                </c:pt>
+                <c:pt idx="1">
+                  <c:v>7.388274</c:v>
+                </c:pt>
+                <c:pt idx="2">
+                  <c:v>7.2959379999999996</c:v>
+                </c:pt>
+                <c:pt idx="3">
+                  <c:v>7.6334359999999997</c:v>
+                </c:pt>
+              </c:numCache>
+            </c:numRef>
+          </c:yVal>
+          <c:smooth val="0"/>
+          <c:extLst>
+            <c:ext xmlns:c16="http://schemas.microsoft.com/office/drawing/2014/chart" uri="{C3380CC4-5D6E-409C-BE32-E72D297353CC}">
+              <c16:uniqueId val="{00000001-EBB9-4250-B558-4984050C9752}"/>
+            </c:ext>
+          </c:extLst>
+        </c:ser>
+        <c:dLbls>
+          <c:showLegendKey val="0"/>
+          <c:showVal val="0"/>
+          <c:showCatName val="0"/>
+          <c:showSerName val="0"/>
+          <c:showPercent val="0"/>
+          <c:showBubbleSize val="0"/>
+        </c:dLbls>
+        <c:axId val="538621999"/>
+        <c:axId val="773771647"/>
+      </c:scatterChart>
+      <c:valAx>
+        <c:axId val="538621999"/>
+        <c:scaling>
+          <c:logBase val="2"/>
+          <c:orientation val="minMax"/>
+          <c:min val="1024"/>
+        </c:scaling>
+        <c:delete val="0"/>
+        <c:axPos val="b"/>
+        <c:numFmt formatCode="General" sourceLinked="1"/>
+        <c:majorTickMark val="in"/>
+        <c:minorTickMark val="none"/>
+        <c:tickLblPos val="nextTo"/>
+        <c:spPr>
+          <a:noFill/>
+          <a:ln w="9525" cap="flat" cmpd="sng" algn="ctr">
+            <a:solidFill>
+              <a:schemeClr val="tx1"/>
+            </a:solidFill>
+            <a:round/>
+          </a:ln>
+          <a:effectLst/>
+        </c:spPr>
+        <c:txPr>
+          <a:bodyPr rot="-60000000" spcFirstLastPara="1" vertOverflow="ellipsis" vert="horz" wrap="square" anchor="ctr" anchorCtr="1"/>
+          <a:lstStyle/>
+          <a:p>
+            <a:pPr>
+              <a:defRPr sz="2000" b="0" i="0" u="none" strike="noStrike" kern="1200" baseline="0">
+                <a:solidFill>
+                  <a:sysClr val="windowText" lastClr="000000"/>
+                </a:solidFill>
+                <a:latin typeface="Cambria Math" panose="02040503050406030204" pitchFamily="18" charset="0"/>
+                <a:ea typeface="Cambria Math" panose="02040503050406030204" pitchFamily="18" charset="0"/>
+                <a:cs typeface="+mn-cs"/>
+              </a:defRPr>
+            </a:pPr>
+            <a:endParaRPr lang="ja-JP"/>
+          </a:p>
+        </c:txPr>
+        <c:crossAx val="773771647"/>
+        <c:crosses val="autoZero"/>
+        <c:crossBetween val="midCat"/>
+        <c:majorUnit val="2"/>
+      </c:valAx>
+      <c:valAx>
+        <c:axId val="773771647"/>
+        <c:scaling>
+          <c:orientation val="minMax"/>
+        </c:scaling>
+        <c:delete val="0"/>
+        <c:axPos val="l"/>
+        <c:majorGridlines>
+          <c:spPr>
+            <a:ln w="9525" cap="flat" cmpd="sng" algn="ctr">
+              <a:solidFill>
+                <a:schemeClr val="tx1">
+                  <a:lumMod val="15000"/>
+                  <a:lumOff val="85000"/>
+                </a:schemeClr>
+              </a:solidFill>
+              <a:round/>
+            </a:ln>
+            <a:effectLst/>
+          </c:spPr>
+        </c:majorGridlines>
+        <c:numFmt formatCode="General" sourceLinked="1"/>
+        <c:majorTickMark val="in"/>
+        <c:minorTickMark val="none"/>
+        <c:tickLblPos val="nextTo"/>
+        <c:spPr>
+          <a:noFill/>
+          <a:ln w="9525" cap="flat" cmpd="sng" algn="ctr">
+            <a:solidFill>
+              <a:schemeClr val="tx1"/>
+            </a:solidFill>
+            <a:round/>
+          </a:ln>
+          <a:effectLst/>
+        </c:spPr>
+        <c:txPr>
+          <a:bodyPr rot="-60000000" spcFirstLastPara="1" vertOverflow="ellipsis" vert="horz" wrap="square" anchor="ctr" anchorCtr="1"/>
+          <a:lstStyle/>
+          <a:p>
+            <a:pPr>
+              <a:defRPr sz="2000" b="0" i="0" u="none" strike="noStrike" kern="1200" baseline="0">
+                <a:solidFill>
+                  <a:sysClr val="windowText" lastClr="000000"/>
+                </a:solidFill>
+                <a:latin typeface="Cambria Math" panose="02040503050406030204" pitchFamily="18" charset="0"/>
+                <a:ea typeface="Cambria Math" panose="02040503050406030204" pitchFamily="18" charset="0"/>
+                <a:cs typeface="+mn-cs"/>
+              </a:defRPr>
+            </a:pPr>
+            <a:endParaRPr lang="ja-JP"/>
+          </a:p>
+        </c:txPr>
+        <c:crossAx val="538621999"/>
+        <c:crosses val="autoZero"/>
+        <c:crossBetween val="midCat"/>
+      </c:valAx>
+      <c:spPr>
+        <a:noFill/>
+        <a:ln w="9525">
+          <a:solidFill>
+            <a:schemeClr val="tx1"/>
+          </a:solidFill>
+        </a:ln>
+        <a:effectLst/>
+      </c:spPr>
+    </c:plotArea>
+    <c:legend>
+      <c:legendPos val="t"/>
+      <c:layout>
+        <c:manualLayout>
+          <c:xMode val="edge"/>
+          <c:yMode val="edge"/>
+          <c:x val="0"/>
+          <c:y val="1.1747727228101866E-3"/>
+          <c:w val="1"/>
+          <c:h val="0.15629582359755739"/>
+        </c:manualLayout>
+      </c:layout>
+      <c:overlay val="0"/>
+      <c:spPr>
+        <a:noFill/>
+        <a:ln>
+          <a:noFill/>
+        </a:ln>
+        <a:effectLst/>
+      </c:spPr>
+      <c:txPr>
+        <a:bodyPr rot="0" spcFirstLastPara="1" vertOverflow="ellipsis" vert="horz" wrap="square" anchor="ctr" anchorCtr="1"/>
+        <a:lstStyle/>
+        <a:p>
+          <a:pPr>
+            <a:defRPr sz="2000" b="0" i="0" u="none" strike="noStrike" kern="1200" baseline="0">
+              <a:solidFill>
+                <a:sysClr val="windowText" lastClr="000000"/>
+              </a:solidFill>
+              <a:latin typeface="Cambria Math" panose="02040503050406030204" pitchFamily="18" charset="0"/>
+              <a:ea typeface="Cambria Math" panose="02040503050406030204" pitchFamily="18" charset="0"/>
+              <a:cs typeface="+mn-cs"/>
+            </a:defRPr>
+          </a:pPr>
+          <a:endParaRPr lang="ja-JP"/>
+        </a:p>
+      </c:txPr>
+    </c:legend>
+    <c:plotVisOnly val="1"/>
+    <c:dispBlanksAs val="gap"/>
+    <c:extLst>
+      <c:ext xmlns:c16r3="http://schemas.microsoft.com/office/drawing/2017/03/chart" uri="{56B9EC1D-385E-4148-901F-78D8002777C0}">
+        <c16r3:dataDisplayOptions16>
+          <c16r3:dispNaAsBlank val="1"/>
+        </c16r3:dataDisplayOptions16>
+      </c:ext>
+    </c:extLst>
+    <c:showDLblsOverMax val="0"/>
+  </c:chart>
+  <c:spPr>
+    <a:noFill/>
+    <a:ln>
+      <a:noFill/>
+    </a:ln>
+    <a:effectLst/>
+  </c:spPr>
+  <c:txPr>
+    <a:bodyPr/>
+    <a:lstStyle/>
+    <a:p>
+      <a:pPr>
+        <a:defRPr sz="2000" baseline="0">
+          <a:solidFill>
+            <a:sysClr val="windowText" lastClr="000000"/>
+          </a:solidFill>
+          <a:latin typeface="Cambria Math" panose="02040503050406030204" pitchFamily="18" charset="0"/>
+          <a:ea typeface="Cambria Math" panose="02040503050406030204" pitchFamily="18" charset="0"/>
+        </a:defRPr>
+      </a:pPr>
+      <a:endParaRPr lang="ja-JP"/>
+    </a:p>
+  </c:txPr>
+  <c:externalData r:id="rId3">
+    <c:autoUpdate val="0"/>
+  </c:externalData>
+</c:chartSpace>
+</file>
+
+<file path=ppt/charts/chart4.xml><?xml version="1.0" encoding="utf-8"?>
+<c:chartSpace xmlns:c="http://schemas.openxmlformats.org/drawingml/2006/chart" xmlns:a="http://schemas.openxmlformats.org/drawingml/2006/main" xmlns:r="http://schemas.openxmlformats.org/officeDocument/2006/relationships" xmlns:c16r2="http://schemas.microsoft.com/office/drawing/2015/06/chart">
+  <c:date1904 val="0"/>
+  <c:lang val="ja-JP"/>
+  <c:roundedCorners val="0"/>
+  <mc:AlternateContent xmlns:mc="http://schemas.openxmlformats.org/markup-compatibility/2006">
+    <mc:Choice xmlns:c14="http://schemas.microsoft.com/office/drawing/2007/8/2/chart" Requires="c14">
+      <c14:style val="102"/>
+    </mc:Choice>
+    <mc:Fallback>
+      <c:style val="2"/>
+    </mc:Fallback>
+  </mc:AlternateContent>
+  <c:chart>
+    <c:autoTitleDeleted val="0"/>
+    <c:plotArea>
+      <c:layout>
+        <c:manualLayout>
+          <c:layoutTarget val="inner"/>
+          <c:xMode val="edge"/>
+          <c:yMode val="edge"/>
+          <c:x val="0.11625041711541959"/>
+          <c:y val="0.18456301910502854"/>
+          <c:w val="0.77245623514579154"/>
+          <c:h val="0.71997997211804665"/>
+        </c:manualLayout>
+      </c:layout>
+      <c:scatterChart>
+        <c:scatterStyle val="lineMarker"/>
+        <c:varyColors val="0"/>
+        <c:ser>
+          <c:idx val="0"/>
+          <c:order val="0"/>
+          <c:tx>
+            <c:strRef>
+              <c:f>Sheet1!$B$1</c:f>
+              <c:strCache>
+                <c:ptCount val="1"/>
+                <c:pt idx="0">
+                  <c:v>uart（改善）</c:v>
+                </c:pt>
+              </c:strCache>
+            </c:strRef>
+          </c:tx>
+          <c:spPr>
+            <a:ln w="38100" cap="rnd">
+              <a:solidFill>
+                <a:schemeClr val="accent5">
+                  <a:lumMod val="75000"/>
+                  <a:alpha val="99000"/>
+                </a:schemeClr>
+              </a:solidFill>
+              <a:round/>
+            </a:ln>
+            <a:effectLst/>
+          </c:spPr>
+          <c:marker>
+            <c:symbol val="circle"/>
+            <c:size val="10"/>
+            <c:spPr>
+              <a:solidFill>
+                <a:schemeClr val="accent1">
+                  <a:lumMod val="60000"/>
+                  <a:lumOff val="40000"/>
+                </a:schemeClr>
+              </a:solidFill>
+              <a:ln w="25400">
+                <a:solidFill>
+                  <a:schemeClr val="accent1">
+                    <a:lumMod val="75000"/>
+                  </a:schemeClr>
+                </a:solidFill>
+              </a:ln>
+              <a:effectLst/>
+            </c:spPr>
+          </c:marker>
+          <c:xVal>
+            <c:numRef>
               <c:f>Sheet1!$A$2:$A$4</c:f>
               <c:numCache>
                 <c:formatCode>General</c:formatCode>
@@ -1855,7 +2691,7 @@
 </c:chartSpace>
 </file>
 
-<file path=ppt/charts/chart3.xml><?xml version="1.0" encoding="utf-8"?>
+<file path=ppt/charts/chart5.xml><?xml version="1.0" encoding="utf-8"?>
 <c:chartSpace xmlns:c="http://schemas.openxmlformats.org/drawingml/2006/chart" xmlns:a="http://schemas.openxmlformats.org/drawingml/2006/main" xmlns:r="http://schemas.openxmlformats.org/officeDocument/2006/relationships" xmlns:c16r2="http://schemas.microsoft.com/office/drawing/2015/06/chart">
   <c:date1904 val="0"/>
   <c:lang val="ja-JP"/>
@@ -2621,7 +3457,7 @@
 </c:chartSpace>
 </file>
 
-<file path=ppt/charts/chart4.xml><?xml version="1.0" encoding="utf-8"?>
+<file path=ppt/charts/chart6.xml><?xml version="1.0" encoding="utf-8"?>
 <c:chartSpace xmlns:c="http://schemas.openxmlformats.org/drawingml/2006/chart" xmlns:a="http://schemas.openxmlformats.org/drawingml/2006/main" xmlns:r="http://schemas.openxmlformats.org/officeDocument/2006/relationships" xmlns:c16r2="http://schemas.microsoft.com/office/drawing/2015/06/chart">
   <c:date1904 val="0"/>
   <c:lang val="ja-JP"/>
@@ -3372,7 +4208,7 @@
 </c:chartSpace>
 </file>
 
-<file path=ppt/charts/chart5.xml><?xml version="1.0" encoding="utf-8"?>
+<file path=ppt/charts/chart7.xml><?xml version="1.0" encoding="utf-8"?>
 <c:chartSpace xmlns:c="http://schemas.openxmlformats.org/drawingml/2006/chart" xmlns:a="http://schemas.openxmlformats.org/drawingml/2006/main" xmlns:r="http://schemas.openxmlformats.org/officeDocument/2006/relationships" xmlns:c16r2="http://schemas.microsoft.com/office/drawing/2015/06/chart">
   <c:date1904 val="0"/>
   <c:lang val="ja-JP"/>
@@ -4262,6 +5098,86 @@
 </cs:colorStyle>
 </file>
 
+<file path=ppt/charts/colors6.xml><?xml version="1.0" encoding="utf-8"?>
+<cs:colorStyle xmlns:cs="http://schemas.microsoft.com/office/drawing/2012/chartStyle" xmlns:a="http://schemas.openxmlformats.org/drawingml/2006/main" meth="cycle" id="10">
+  <a:schemeClr val="accent1"/>
+  <a:schemeClr val="accent2"/>
+  <a:schemeClr val="accent3"/>
+  <a:schemeClr val="accent4"/>
+  <a:schemeClr val="accent5"/>
+  <a:schemeClr val="accent6"/>
+  <cs:variation/>
+  <cs:variation>
+    <a:lumMod val="60000"/>
+  </cs:variation>
+  <cs:variation>
+    <a:lumMod val="80000"/>
+    <a:lumOff val="20000"/>
+  </cs:variation>
+  <cs:variation>
+    <a:lumMod val="80000"/>
+  </cs:variation>
+  <cs:variation>
+    <a:lumMod val="60000"/>
+    <a:lumOff val="40000"/>
+  </cs:variation>
+  <cs:variation>
+    <a:lumMod val="50000"/>
+  </cs:variation>
+  <cs:variation>
+    <a:lumMod val="70000"/>
+    <a:lumOff val="30000"/>
+  </cs:variation>
+  <cs:variation>
+    <a:lumMod val="70000"/>
+  </cs:variation>
+  <cs:variation>
+    <a:lumMod val="50000"/>
+    <a:lumOff val="50000"/>
+  </cs:variation>
+</cs:colorStyle>
+</file>
+
+<file path=ppt/charts/colors7.xml><?xml version="1.0" encoding="utf-8"?>
+<cs:colorStyle xmlns:cs="http://schemas.microsoft.com/office/drawing/2012/chartStyle" xmlns:a="http://schemas.openxmlformats.org/drawingml/2006/main" meth="cycle" id="10">
+  <a:schemeClr val="accent1"/>
+  <a:schemeClr val="accent2"/>
+  <a:schemeClr val="accent3"/>
+  <a:schemeClr val="accent4"/>
+  <a:schemeClr val="accent5"/>
+  <a:schemeClr val="accent6"/>
+  <cs:variation/>
+  <cs:variation>
+    <a:lumMod val="60000"/>
+  </cs:variation>
+  <cs:variation>
+    <a:lumMod val="80000"/>
+    <a:lumOff val="20000"/>
+  </cs:variation>
+  <cs:variation>
+    <a:lumMod val="80000"/>
+  </cs:variation>
+  <cs:variation>
+    <a:lumMod val="60000"/>
+    <a:lumOff val="40000"/>
+  </cs:variation>
+  <cs:variation>
+    <a:lumMod val="50000"/>
+  </cs:variation>
+  <cs:variation>
+    <a:lumMod val="70000"/>
+    <a:lumOff val="30000"/>
+  </cs:variation>
+  <cs:variation>
+    <a:lumMod val="70000"/>
+  </cs:variation>
+  <cs:variation>
+    <a:lumMod val="50000"/>
+    <a:lumOff val="50000"/>
+  </cs:variation>
+</cs:colorStyle>
+</file>
+
 <file path=ppt/charts/style1.xml><?xml version="1.0" encoding="utf-8"?>
 <cs:chartStyle xmlns:cs="http://schemas.microsoft.com/office/drawing/2012/chartStyle" xmlns:a="http://schemas.openxmlformats.org/drawingml/2006/main" id="240">
   <cs:axisTitle>
@@ -6327,6 +7243,1038 @@
 </file>
 
 <file path=ppt/charts/style5.xml><?xml version="1.0" encoding="utf-8"?>
+<cs:chartStyle xmlns:cs="http://schemas.microsoft.com/office/drawing/2012/chartStyle" xmlns:a="http://schemas.openxmlformats.org/drawingml/2006/main" id="240">
+  <cs:axisTitle>
+    <cs:lnRef idx="0"/>
+    <cs:fillRef idx="0"/>
+    <cs:effectRef idx="0"/>
+    <cs:fontRef idx="minor">
+      <a:schemeClr val="tx1">
+        <a:lumMod val="65000"/>
+        <a:lumOff val="35000"/>
+      </a:schemeClr>
+    </cs:fontRef>
+    <cs:defRPr sz="1330" kern="1200"/>
+  </cs:axisTitle>
+  <cs:categoryAxis>
+    <cs:lnRef idx="0"/>
+    <cs:fillRef idx="0"/>
+    <cs:effectRef idx="0"/>
+    <cs:fontRef idx="minor">
+      <a:schemeClr val="tx1">
+        <a:lumMod val="65000"/>
+        <a:lumOff val="35000"/>
+      </a:schemeClr>
+    </cs:fontRef>
+    <cs:spPr>
+      <a:ln w="9525" cap="flat" cmpd="sng" algn="ctr">
+        <a:solidFill>
+          <a:schemeClr val="tx1">
+            <a:lumMod val="25000"/>
+            <a:lumOff val="75000"/>
+          </a:schemeClr>
+        </a:solidFill>
+        <a:round/>
+      </a:ln>
+    </cs:spPr>
+    <cs:defRPr sz="1197" kern="1200"/>
+  </cs:categoryAxis>
+  <cs:chartArea mods="allowNoFillOverride allowNoLineOverride">
+    <cs:lnRef idx="0"/>
+    <cs:fillRef idx="0"/>
+    <cs:effectRef idx="0"/>
+    <cs:fontRef idx="minor">
+      <a:schemeClr val="tx1"/>
+    </cs:fontRef>
+    <cs:spPr>
+      <a:solidFill>
+        <a:schemeClr val="bg1"/>
+      </a:solidFill>
+      <a:ln w="9525" cap="flat" cmpd="sng" algn="ctr">
+        <a:solidFill>
+          <a:schemeClr val="tx1">
+            <a:lumMod val="15000"/>
+            <a:lumOff val="85000"/>
+          </a:schemeClr>
+        </a:solidFill>
+        <a:round/>
+      </a:ln>
+    </cs:spPr>
+    <cs:defRPr sz="1330" kern="1200"/>
+  </cs:chartArea>
+  <cs:dataLabel>
+    <cs:lnRef idx="0"/>
+    <cs:fillRef idx="0"/>
+    <cs:effectRef idx="0"/>
+    <cs:fontRef idx="minor">
+      <a:schemeClr val="tx1">
+        <a:lumMod val="75000"/>
+        <a:lumOff val="25000"/>
+      </a:schemeClr>
+    </cs:fontRef>
+    <cs:defRPr sz="1197" kern="1200"/>
+  </cs:dataLabel>
+  <cs:dataLabelCallout>
+    <cs:lnRef idx="0"/>
+    <cs:fillRef idx="0"/>
+    <cs:effectRef idx="0"/>
+    <cs:fontRef idx="minor">
+      <a:schemeClr val="dk1">
+        <a:lumMod val="65000"/>
+        <a:lumOff val="35000"/>
+      </a:schemeClr>
+    </cs:fontRef>
+    <cs:spPr>
+      <a:solidFill>
+        <a:schemeClr val="lt1"/>
+      </a:solidFill>
+      <a:ln>
+        <a:solidFill>
+          <a:schemeClr val="dk1">
+            <a:lumMod val="25000"/>
+            <a:lumOff val="75000"/>
+          </a:schemeClr>
+        </a:solidFill>
+      </a:ln>
+    </cs:spPr>
+    <cs:defRPr sz="1197" kern="1200"/>
+    <cs:bodyPr rot="0" spcFirstLastPara="1" vertOverflow="clip" horzOverflow="clip" vert="horz" wrap="square" lIns="36576" tIns="18288" rIns="36576" bIns="18288" anchor="ctr" anchorCtr="1">
+      <a:spAutoFit/>
+    </cs:bodyPr>
+  </cs:dataLabelCallout>
+  <cs:dataPoint>
+    <cs:lnRef idx="0"/>
+    <cs:fillRef idx="1">
+      <cs:styleClr val="auto"/>
+    </cs:fillRef>
+    <cs:effectRef idx="0"/>
+    <cs:fontRef idx="minor">
+      <a:schemeClr val="tx1"/>
+    </cs:fontRef>
+  </cs:dataPoint>
+  <cs:dataPoint3D>
+    <cs:lnRef idx="0"/>
+    <cs:fillRef idx="1">
+      <cs:styleClr val="auto"/>
+    </cs:fillRef>
+    <cs:effectRef idx="0"/>
+    <cs:fontRef idx="minor">
+      <a:schemeClr val="tx1"/>
+    </cs:fontRef>
+  </cs:dataPoint3D>
+  <cs:dataPointLine>
+    <cs:lnRef idx="0">
+      <cs:styleClr val="auto"/>
+    </cs:lnRef>
+    <cs:fillRef idx="1"/>
+    <cs:effectRef idx="0"/>
+    <cs:fontRef idx="minor">
+      <a:schemeClr val="tx1"/>
+    </cs:fontRef>
+    <cs:spPr>
+      <a:ln w="19050" cap="rnd">
+        <a:solidFill>
+          <a:schemeClr val="phClr"/>
+        </a:solidFill>
+        <a:round/>
+      </a:ln>
+    </cs:spPr>
+  </cs:dataPointLine>
+  <cs:dataPointMarker>
+    <cs:lnRef idx="0">
+      <cs:styleClr val="auto"/>
+    </cs:lnRef>
+    <cs:fillRef idx="1">
+      <cs:styleClr val="auto"/>
+    </cs:fillRef>
+    <cs:effectRef idx="0"/>
+    <cs:fontRef idx="minor">
+      <a:schemeClr val="tx1"/>
+    </cs:fontRef>
+    <cs:spPr>
+      <a:ln w="9525">
+        <a:solidFill>
+          <a:schemeClr val="phClr"/>
+        </a:solidFill>
+      </a:ln>
+    </cs:spPr>
+  </cs:dataPointMarker>
+  <cs:dataPointMarkerLayout symbol="circle" size="5"/>
+  <cs:dataPointWireframe>
+    <cs:lnRef idx="0">
+      <cs:styleClr val="auto"/>
+    </cs:lnRef>
+    <cs:fillRef idx="0"/>
+    <cs:effectRef idx="0"/>
+    <cs:fontRef idx="minor">
+      <a:schemeClr val="dk1"/>
+    </cs:fontRef>
+    <cs:spPr>
+      <a:ln w="9525" cap="rnd">
+        <a:solidFill>
+          <a:schemeClr val="phClr"/>
+        </a:solidFill>
+        <a:round/>
+      </a:ln>
+    </cs:spPr>
+  </cs:dataPointWireframe>
+  <cs:dataTable>
+    <cs:lnRef idx="0"/>
+    <cs:fillRef idx="0"/>
+    <cs:effectRef idx="0"/>
+    <cs:fontRef idx="minor">
+      <a:schemeClr val="tx1">
+        <a:lumMod val="65000"/>
+        <a:lumOff val="35000"/>
+      </a:schemeClr>
+    </cs:fontRef>
+    <cs:spPr>
+      <a:noFill/>
+      <a:ln w="9525" cap="flat" cmpd="sng" algn="ctr">
+        <a:solidFill>
+          <a:schemeClr val="tx1">
+            <a:lumMod val="15000"/>
+            <a:lumOff val="85000"/>
+          </a:schemeClr>
+        </a:solidFill>
+        <a:round/>
+      </a:ln>
+    </cs:spPr>
+    <cs:defRPr sz="1197" kern="1200"/>
+  </cs:dataTable>
+  <cs:downBar>
+    <cs:lnRef idx="0"/>
+    <cs:fillRef idx="0"/>
+    <cs:effectRef idx="0"/>
+    <cs:fontRef idx="minor">
+      <a:schemeClr val="tx1"/>
+    </cs:fontRef>
+    <cs:spPr>
+      <a:solidFill>
+        <a:schemeClr val="dk1">
+          <a:lumMod val="75000"/>
+          <a:lumOff val="25000"/>
+        </a:schemeClr>
+      </a:solidFill>
+      <a:ln w="9525" cap="flat" cmpd="sng" algn="ctr">
+        <a:solidFill>
+          <a:schemeClr val="tx1">
+            <a:lumMod val="65000"/>
+            <a:lumOff val="35000"/>
+          </a:schemeClr>
+        </a:solidFill>
+        <a:round/>
+      </a:ln>
+    </cs:spPr>
+  </cs:downBar>
+  <cs:dropLine>
+    <cs:lnRef idx="0"/>
+    <cs:fillRef idx="0"/>
+    <cs:effectRef idx="0"/>
+    <cs:fontRef idx="minor">
+      <a:schemeClr val="tx1"/>
+    </cs:fontRef>
+    <cs:spPr>
+      <a:ln w="9525" cap="flat" cmpd="sng" algn="ctr">
+        <a:solidFill>
+          <a:schemeClr val="tx1">
+            <a:lumMod val="35000"/>
+            <a:lumOff val="65000"/>
+          </a:schemeClr>
+        </a:solidFill>
+        <a:round/>
+      </a:ln>
+    </cs:spPr>
+  </cs:dropLine>
+  <cs:errorBar>
+    <cs:lnRef idx="0"/>
+    <cs:fillRef idx="0"/>
+    <cs:effectRef idx="0"/>
+    <cs:fontRef idx="minor">
+      <a:schemeClr val="tx1"/>
+    </cs:fontRef>
+    <cs:spPr>
+      <a:ln w="9525" cap="flat" cmpd="sng" algn="ctr">
+        <a:solidFill>
+          <a:schemeClr val="tx1">
+            <a:lumMod val="65000"/>
+            <a:lumOff val="35000"/>
+          </a:schemeClr>
+        </a:solidFill>
+        <a:round/>
+      </a:ln>
+    </cs:spPr>
+  </cs:errorBar>
+  <cs:floor>
+    <cs:lnRef idx="0"/>
+    <cs:fillRef idx="0"/>
+    <cs:effectRef idx="0"/>
+    <cs:fontRef idx="minor">
+      <a:schemeClr val="tx1"/>
+    </cs:fontRef>
+    <cs:spPr>
+      <a:noFill/>
+      <a:ln>
+        <a:noFill/>
+      </a:ln>
+    </cs:spPr>
+  </cs:floor>
+  <cs:gridlineMajor>
+    <cs:lnRef idx="0"/>
+    <cs:fillRef idx="0"/>
+    <cs:effectRef idx="0"/>
+    <cs:fontRef idx="minor">
+      <a:schemeClr val="tx1"/>
+    </cs:fontRef>
+    <cs:spPr>
+      <a:ln w="9525" cap="flat" cmpd="sng" algn="ctr">
+        <a:solidFill>
+          <a:schemeClr val="tx1">
+            <a:lumMod val="15000"/>
+            <a:lumOff val="85000"/>
+          </a:schemeClr>
+        </a:solidFill>
+        <a:round/>
+      </a:ln>
+    </cs:spPr>
+  </cs:gridlineMajor>
+  <cs:gridlineMinor>
+    <cs:lnRef idx="0"/>
+    <cs:fillRef idx="0"/>
+    <cs:effectRef idx="0"/>
+    <cs:fontRef idx="minor">
+      <a:schemeClr val="tx1"/>
+    </cs:fontRef>
+    <cs:spPr>
+      <a:ln w="9525" cap="flat" cmpd="sng" algn="ctr">
+        <a:solidFill>
+          <a:schemeClr val="tx1">
+            <a:lumMod val="5000"/>
+            <a:lumOff val="95000"/>
+          </a:schemeClr>
+        </a:solidFill>
+        <a:round/>
+      </a:ln>
+    </cs:spPr>
+  </cs:gridlineMinor>
+  <cs:hiLoLine>
+    <cs:lnRef idx="0"/>
+    <cs:fillRef idx="0"/>
+    <cs:effectRef idx="0"/>
+    <cs:fontRef idx="minor">
+      <a:schemeClr val="tx1"/>
+    </cs:fontRef>
+    <cs:spPr>
+      <a:ln w="9525" cap="flat" cmpd="sng" algn="ctr">
+        <a:solidFill>
+          <a:schemeClr val="tx1">
+            <a:lumMod val="50000"/>
+            <a:lumOff val="50000"/>
+          </a:schemeClr>
+        </a:solidFill>
+        <a:round/>
+      </a:ln>
+    </cs:spPr>
+  </cs:hiLoLine>
+  <cs:leaderLine>
+    <cs:lnRef idx="0"/>
+    <cs:fillRef idx="0"/>
+    <cs:effectRef idx="0"/>
+    <cs:fontRef idx="minor">
+      <a:schemeClr val="tx1"/>
+    </cs:fontRef>
+    <cs:spPr>
+      <a:ln w="9525" cap="flat" cmpd="sng" algn="ctr">
+        <a:solidFill>
+          <a:schemeClr val="tx1">
+            <a:lumMod val="35000"/>
+            <a:lumOff val="65000"/>
+          </a:schemeClr>
+        </a:solidFill>
+        <a:round/>
+      </a:ln>
+    </cs:spPr>
+  </cs:leaderLine>
+  <cs:legend>
+    <cs:lnRef idx="0"/>
+    <cs:fillRef idx="0"/>
+    <cs:effectRef idx="0"/>
+    <cs:fontRef idx="minor">
+      <a:schemeClr val="tx1">
+        <a:lumMod val="65000"/>
+        <a:lumOff val="35000"/>
+      </a:schemeClr>
+    </cs:fontRef>
+    <cs:defRPr sz="1197" kern="1200"/>
+  </cs:legend>
+  <cs:plotArea mods="allowNoFillOverride allowNoLineOverride">
+    <cs:lnRef idx="0"/>
+    <cs:fillRef idx="0"/>
+    <cs:effectRef idx="0"/>
+    <cs:fontRef idx="minor">
+      <a:schemeClr val="tx1"/>
+    </cs:fontRef>
+  </cs:plotArea>
+  <cs:plotArea3D mods="allowNoFillOverride allowNoLineOverride">
+    <cs:lnRef idx="0"/>
+    <cs:fillRef idx="0"/>
+    <cs:effectRef idx="0"/>
+    <cs:fontRef idx="minor">
+      <a:schemeClr val="tx1"/>
+    </cs:fontRef>
+  </cs:plotArea3D>
+  <cs:seriesAxis>
+    <cs:lnRef idx="0"/>
+    <cs:fillRef idx="0"/>
+    <cs:effectRef idx="0"/>
+    <cs:fontRef idx="minor">
+      <a:schemeClr val="tx1">
+        <a:lumMod val="65000"/>
+        <a:lumOff val="35000"/>
+      </a:schemeClr>
+    </cs:fontRef>
+    <cs:defRPr sz="1197" kern="1200"/>
+  </cs:seriesAxis>
+  <cs:seriesLine>
+    <cs:lnRef idx="0"/>
+    <cs:fillRef idx="0"/>
+    <cs:effectRef idx="0"/>
+    <cs:fontRef idx="minor">
+      <a:schemeClr val="tx1"/>
+    </cs:fontRef>
+    <cs:spPr>
+      <a:ln w="9525" cap="flat" cmpd="sng" algn="ctr">
+        <a:solidFill>
+          <a:schemeClr val="tx1">
+            <a:lumMod val="35000"/>
+            <a:lumOff val="65000"/>
+          </a:schemeClr>
+        </a:solidFill>
+        <a:round/>
+      </a:ln>
+    </cs:spPr>
+  </cs:seriesLine>
+  <cs:title>
+    <cs:lnRef idx="0"/>
+    <cs:fillRef idx="0"/>
+    <cs:effectRef idx="0"/>
+    <cs:fontRef idx="minor">
+      <a:schemeClr val="tx1">
+        <a:lumMod val="65000"/>
+        <a:lumOff val="35000"/>
+      </a:schemeClr>
+    </cs:fontRef>
+    <cs:defRPr sz="1862" b="0" kern="1200" spc="0" baseline="0"/>
+  </cs:title>
+  <cs:trendline>
+    <cs:lnRef idx="0">
+      <cs:styleClr val="auto"/>
+    </cs:lnRef>
+    <cs:fillRef idx="0"/>
+    <cs:effectRef idx="0"/>
+    <cs:fontRef idx="minor">
+      <a:schemeClr val="tx1"/>
+    </cs:fontRef>
+    <cs:spPr>
+      <a:ln w="19050" cap="rnd">
+        <a:solidFill>
+          <a:schemeClr val="phClr"/>
+        </a:solidFill>
+        <a:prstDash val="sysDot"/>
+      </a:ln>
+    </cs:spPr>
+  </cs:trendline>
+  <cs:trendlineLabel>
+    <cs:lnRef idx="0"/>
+    <cs:fillRef idx="0"/>
+    <cs:effectRef idx="0"/>
+    <cs:fontRef idx="minor">
+      <a:schemeClr val="tx1">
+        <a:lumMod val="65000"/>
+        <a:lumOff val="35000"/>
+      </a:schemeClr>
+    </cs:fontRef>
+    <cs:defRPr sz="1197" kern="1200"/>
+  </cs:trendlineLabel>
+  <cs:upBar>
+    <cs:lnRef idx="0"/>
+    <cs:fillRef idx="0"/>
+    <cs:effectRef idx="0"/>
+    <cs:fontRef idx="minor">
+      <a:schemeClr val="tx1"/>
+    </cs:fontRef>
+    <cs:spPr>
+      <a:solidFill>
+        <a:schemeClr val="lt1"/>
+      </a:solidFill>
+      <a:ln w="9525" cap="flat" cmpd="sng" algn="ctr">
+        <a:solidFill>
+          <a:schemeClr val="tx1">
+            <a:lumMod val="65000"/>
+            <a:lumOff val="35000"/>
+          </a:schemeClr>
+        </a:solidFill>
+        <a:round/>
+      </a:ln>
+    </cs:spPr>
+  </cs:upBar>
+  <cs:valueAxis>
+    <cs:lnRef idx="0"/>
+    <cs:fillRef idx="0"/>
+    <cs:effectRef idx="0"/>
+    <cs:fontRef idx="minor">
+      <a:schemeClr val="tx1">
+        <a:lumMod val="65000"/>
+        <a:lumOff val="35000"/>
+      </a:schemeClr>
+    </cs:fontRef>
+    <cs:spPr>
+      <a:ln w="9525" cap="flat" cmpd="sng" algn="ctr">
+        <a:solidFill>
+          <a:schemeClr val="tx1">
+            <a:lumMod val="25000"/>
+            <a:lumOff val="75000"/>
+          </a:schemeClr>
+        </a:solidFill>
+        <a:round/>
+      </a:ln>
+    </cs:spPr>
+    <cs:defRPr sz="1197" kern="1200"/>
+  </cs:valueAxis>
+  <cs:wall>
+    <cs:lnRef idx="0"/>
+    <cs:fillRef idx="0"/>
+    <cs:effectRef idx="0"/>
+    <cs:fontRef idx="minor">
+      <a:schemeClr val="tx1"/>
+    </cs:fontRef>
+    <cs:spPr>
+      <a:noFill/>
+      <a:ln>
+        <a:noFill/>
+      </a:ln>
+    </cs:spPr>
+  </cs:wall>
+</cs:chartStyle>
+</file>
+
+<file path=ppt/charts/style6.xml><?xml version="1.0" encoding="utf-8"?>
+<cs:chartStyle xmlns:cs="http://schemas.microsoft.com/office/drawing/2012/chartStyle" xmlns:a="http://schemas.openxmlformats.org/drawingml/2006/main" id="240">
+  <cs:axisTitle>
+    <cs:lnRef idx="0"/>
+    <cs:fillRef idx="0"/>
+    <cs:effectRef idx="0"/>
+    <cs:fontRef idx="minor">
+      <a:schemeClr val="tx1">
+        <a:lumMod val="65000"/>
+        <a:lumOff val="35000"/>
+      </a:schemeClr>
+    </cs:fontRef>
+    <cs:defRPr sz="1330" kern="1200"/>
+  </cs:axisTitle>
+  <cs:categoryAxis>
+    <cs:lnRef idx="0"/>
+    <cs:fillRef idx="0"/>
+    <cs:effectRef idx="0"/>
+    <cs:fontRef idx="minor">
+      <a:schemeClr val="tx1">
+        <a:lumMod val="65000"/>
+        <a:lumOff val="35000"/>
+      </a:schemeClr>
+    </cs:fontRef>
+    <cs:spPr>
+      <a:ln w="9525" cap="flat" cmpd="sng" algn="ctr">
+        <a:solidFill>
+          <a:schemeClr val="tx1">
+            <a:lumMod val="25000"/>
+            <a:lumOff val="75000"/>
+          </a:schemeClr>
+        </a:solidFill>
+        <a:round/>
+      </a:ln>
+    </cs:spPr>
+    <cs:defRPr sz="1197" kern="1200"/>
+  </cs:categoryAxis>
+  <cs:chartArea mods="allowNoFillOverride allowNoLineOverride">
+    <cs:lnRef idx="0"/>
+    <cs:fillRef idx="0"/>
+    <cs:effectRef idx="0"/>
+    <cs:fontRef idx="minor">
+      <a:schemeClr val="tx1"/>
+    </cs:fontRef>
+    <cs:spPr>
+      <a:solidFill>
+        <a:schemeClr val="bg1"/>
+      </a:solidFill>
+      <a:ln w="9525" cap="flat" cmpd="sng" algn="ctr">
+        <a:solidFill>
+          <a:schemeClr val="tx1">
+            <a:lumMod val="15000"/>
+            <a:lumOff val="85000"/>
+          </a:schemeClr>
+        </a:solidFill>
+        <a:round/>
+      </a:ln>
+    </cs:spPr>
+    <cs:defRPr sz="1330" kern="1200"/>
+  </cs:chartArea>
+  <cs:dataLabel>
+    <cs:lnRef idx="0"/>
+    <cs:fillRef idx="0"/>
+    <cs:effectRef idx="0"/>
+    <cs:fontRef idx="minor">
+      <a:schemeClr val="tx1">
+        <a:lumMod val="75000"/>
+        <a:lumOff val="25000"/>
+      </a:schemeClr>
+    </cs:fontRef>
+    <cs:defRPr sz="1197" kern="1200"/>
+  </cs:dataLabel>
+  <cs:dataLabelCallout>
+    <cs:lnRef idx="0"/>
+    <cs:fillRef idx="0"/>
+    <cs:effectRef idx="0"/>
+    <cs:fontRef idx="minor">
+      <a:schemeClr val="dk1">
+        <a:lumMod val="65000"/>
+        <a:lumOff val="35000"/>
+      </a:schemeClr>
+    </cs:fontRef>
+    <cs:spPr>
+      <a:solidFill>
+        <a:schemeClr val="lt1"/>
+      </a:solidFill>
+      <a:ln>
+        <a:solidFill>
+          <a:schemeClr val="dk1">
+            <a:lumMod val="25000"/>
+            <a:lumOff val="75000"/>
+          </a:schemeClr>
+        </a:solidFill>
+      </a:ln>
+    </cs:spPr>
+    <cs:defRPr sz="1197" kern="1200"/>
+    <cs:bodyPr rot="0" spcFirstLastPara="1" vertOverflow="clip" horzOverflow="clip" vert="horz" wrap="square" lIns="36576" tIns="18288" rIns="36576" bIns="18288" anchor="ctr" anchorCtr="1">
+      <a:spAutoFit/>
+    </cs:bodyPr>
+  </cs:dataLabelCallout>
+  <cs:dataPoint>
+    <cs:lnRef idx="0"/>
+    <cs:fillRef idx="1">
+      <cs:styleClr val="auto"/>
+    </cs:fillRef>
+    <cs:effectRef idx="0"/>
+    <cs:fontRef idx="minor">
+      <a:schemeClr val="tx1"/>
+    </cs:fontRef>
+  </cs:dataPoint>
+  <cs:dataPoint3D>
+    <cs:lnRef idx="0"/>
+    <cs:fillRef idx="1">
+      <cs:styleClr val="auto"/>
+    </cs:fillRef>
+    <cs:effectRef idx="0"/>
+    <cs:fontRef idx="minor">
+      <a:schemeClr val="tx1"/>
+    </cs:fontRef>
+  </cs:dataPoint3D>
+  <cs:dataPointLine>
+    <cs:lnRef idx="0">
+      <cs:styleClr val="auto"/>
+    </cs:lnRef>
+    <cs:fillRef idx="1"/>
+    <cs:effectRef idx="0"/>
+    <cs:fontRef idx="minor">
+      <a:schemeClr val="tx1"/>
+    </cs:fontRef>
+    <cs:spPr>
+      <a:ln w="19050" cap="rnd">
+        <a:solidFill>
+          <a:schemeClr val="phClr"/>
+        </a:solidFill>
+        <a:round/>
+      </a:ln>
+    </cs:spPr>
+  </cs:dataPointLine>
+  <cs:dataPointMarker>
+    <cs:lnRef idx="0">
+      <cs:styleClr val="auto"/>
+    </cs:lnRef>
+    <cs:fillRef idx="1">
+      <cs:styleClr val="auto"/>
+    </cs:fillRef>
+    <cs:effectRef idx="0"/>
+    <cs:fontRef idx="minor">
+      <a:schemeClr val="tx1"/>
+    </cs:fontRef>
+    <cs:spPr>
+      <a:ln w="9525">
+        <a:solidFill>
+          <a:schemeClr val="phClr"/>
+        </a:solidFill>
+      </a:ln>
+    </cs:spPr>
+  </cs:dataPointMarker>
+  <cs:dataPointMarkerLayout symbol="circle" size="5"/>
+  <cs:dataPointWireframe>
+    <cs:lnRef idx="0">
+      <cs:styleClr val="auto"/>
+    </cs:lnRef>
+    <cs:fillRef idx="0"/>
+    <cs:effectRef idx="0"/>
+    <cs:fontRef idx="minor">
+      <a:schemeClr val="dk1"/>
+    </cs:fontRef>
+    <cs:spPr>
+      <a:ln w="9525" cap="rnd">
+        <a:solidFill>
+          <a:schemeClr val="phClr"/>
+        </a:solidFill>
+        <a:round/>
+      </a:ln>
+    </cs:spPr>
+  </cs:dataPointWireframe>
+  <cs:dataTable>
+    <cs:lnRef idx="0"/>
+    <cs:fillRef idx="0"/>
+    <cs:effectRef idx="0"/>
+    <cs:fontRef idx="minor">
+      <a:schemeClr val="tx1">
+        <a:lumMod val="65000"/>
+        <a:lumOff val="35000"/>
+      </a:schemeClr>
+    </cs:fontRef>
+    <cs:spPr>
+      <a:noFill/>
+      <a:ln w="9525" cap="flat" cmpd="sng" algn="ctr">
+        <a:solidFill>
+          <a:schemeClr val="tx1">
+            <a:lumMod val="15000"/>
+            <a:lumOff val="85000"/>
+          </a:schemeClr>
+        </a:solidFill>
+        <a:round/>
+      </a:ln>
+    </cs:spPr>
+    <cs:defRPr sz="1197" kern="1200"/>
+  </cs:dataTable>
+  <cs:downBar>
+    <cs:lnRef idx="0"/>
+    <cs:fillRef idx="0"/>
+    <cs:effectRef idx="0"/>
+    <cs:fontRef idx="minor">
+      <a:schemeClr val="tx1"/>
+    </cs:fontRef>
+    <cs:spPr>
+      <a:solidFill>
+        <a:schemeClr val="dk1">
+          <a:lumMod val="75000"/>
+          <a:lumOff val="25000"/>
+        </a:schemeClr>
+      </a:solidFill>
+      <a:ln w="9525" cap="flat" cmpd="sng" algn="ctr">
+        <a:solidFill>
+          <a:schemeClr val="tx1">
+            <a:lumMod val="65000"/>
+            <a:lumOff val="35000"/>
+          </a:schemeClr>
+        </a:solidFill>
+        <a:round/>
+      </a:ln>
+    </cs:spPr>
+  </cs:downBar>
+  <cs:dropLine>
+    <cs:lnRef idx="0"/>
+    <cs:fillRef idx="0"/>
+    <cs:effectRef idx="0"/>
+    <cs:fontRef idx="minor">
+      <a:schemeClr val="tx1"/>
+    </cs:fontRef>
+    <cs:spPr>
+      <a:ln w="9525" cap="flat" cmpd="sng" algn="ctr">
+        <a:solidFill>
+          <a:schemeClr val="tx1">
+            <a:lumMod val="35000"/>
+            <a:lumOff val="65000"/>
+          </a:schemeClr>
+        </a:solidFill>
+        <a:round/>
+      </a:ln>
+    </cs:spPr>
+  </cs:dropLine>
+  <cs:errorBar>
+    <cs:lnRef idx="0"/>
+    <cs:fillRef idx="0"/>
+    <cs:effectRef idx="0"/>
+    <cs:fontRef idx="minor">
+      <a:schemeClr val="tx1"/>
+    </cs:fontRef>
+    <cs:spPr>
+      <a:ln w="9525" cap="flat" cmpd="sng" algn="ctr">
+        <a:solidFill>
+          <a:schemeClr val="tx1">
+            <a:lumMod val="65000"/>
+            <a:lumOff val="35000"/>
+          </a:schemeClr>
+        </a:solidFill>
+        <a:round/>
+      </a:ln>
+    </cs:spPr>
+  </cs:errorBar>
+  <cs:floor>
+    <cs:lnRef idx="0"/>
+    <cs:fillRef idx="0"/>
+    <cs:effectRef idx="0"/>
+    <cs:fontRef idx="minor">
+      <a:schemeClr val="tx1"/>
+    </cs:fontRef>
+    <cs:spPr>
+      <a:noFill/>
+      <a:ln>
+        <a:noFill/>
+      </a:ln>
+    </cs:spPr>
+  </cs:floor>
+  <cs:gridlineMajor>
+    <cs:lnRef idx="0"/>
+    <cs:fillRef idx="0"/>
+    <cs:effectRef idx="0"/>
+    <cs:fontRef idx="minor">
+      <a:schemeClr val="tx1"/>
+    </cs:fontRef>
+    <cs:spPr>
+      <a:ln w="9525" cap="flat" cmpd="sng" algn="ctr">
+        <a:solidFill>
+          <a:schemeClr val="tx1">
+            <a:lumMod val="15000"/>
+            <a:lumOff val="85000"/>
+          </a:schemeClr>
+        </a:solidFill>
+        <a:round/>
+      </a:ln>
+    </cs:spPr>
+  </cs:gridlineMajor>
+  <cs:gridlineMinor>
+    <cs:lnRef idx="0"/>
+    <cs:fillRef idx="0"/>
+    <cs:effectRef idx="0"/>
+    <cs:fontRef idx="minor">
+      <a:schemeClr val="tx1"/>
+    </cs:fontRef>
+    <cs:spPr>
+      <a:ln w="9525" cap="flat" cmpd="sng" algn="ctr">
+        <a:solidFill>
+          <a:schemeClr val="tx1">
+            <a:lumMod val="5000"/>
+            <a:lumOff val="95000"/>
+          </a:schemeClr>
+        </a:solidFill>
+        <a:round/>
+      </a:ln>
+    </cs:spPr>
+  </cs:gridlineMinor>
+  <cs:hiLoLine>
+    <cs:lnRef idx="0"/>
+    <cs:fillRef idx="0"/>
+    <cs:effectRef idx="0"/>
+    <cs:fontRef idx="minor">
+      <a:schemeClr val="tx1"/>
+    </cs:fontRef>
+    <cs:spPr>
+      <a:ln w="9525" cap="flat" cmpd="sng" algn="ctr">
+        <a:solidFill>
+          <a:schemeClr val="tx1">
+            <a:lumMod val="50000"/>
+            <a:lumOff val="50000"/>
+          </a:schemeClr>
+        </a:solidFill>
+        <a:round/>
+      </a:ln>
+    </cs:spPr>
+  </cs:hiLoLine>
+  <cs:leaderLine>
+    <cs:lnRef idx="0"/>
+    <cs:fillRef idx="0"/>
+    <cs:effectRef idx="0"/>
+    <cs:fontRef idx="minor">
+      <a:schemeClr val="tx1"/>
+    </cs:fontRef>
+    <cs:spPr>
+      <a:ln w="9525" cap="flat" cmpd="sng" algn="ctr">
+        <a:solidFill>
+          <a:schemeClr val="tx1">
+            <a:lumMod val="35000"/>
+            <a:lumOff val="65000"/>
+          </a:schemeClr>
+        </a:solidFill>
+        <a:round/>
+      </a:ln>
+    </cs:spPr>
+  </cs:leaderLine>
+  <cs:legend>
+    <cs:lnRef idx="0"/>
+    <cs:fillRef idx="0"/>
+    <cs:effectRef idx="0"/>
+    <cs:fontRef idx="minor">
+      <a:schemeClr val="tx1">
+        <a:lumMod val="65000"/>
+        <a:lumOff val="35000"/>
+      </a:schemeClr>
+    </cs:fontRef>
+    <cs:defRPr sz="1197" kern="1200"/>
+  </cs:legend>
+  <cs:plotArea mods="allowNoFillOverride allowNoLineOverride">
+    <cs:lnRef idx="0"/>
+    <cs:fillRef idx="0"/>
+    <cs:effectRef idx="0"/>
+    <cs:fontRef idx="minor">
+      <a:schemeClr val="tx1"/>
+    </cs:fontRef>
+  </cs:plotArea>
+  <cs:plotArea3D mods="allowNoFillOverride allowNoLineOverride">
+    <cs:lnRef idx="0"/>
+    <cs:fillRef idx="0"/>
+    <cs:effectRef idx="0"/>
+    <cs:fontRef idx="minor">
+      <a:schemeClr val="tx1"/>
+    </cs:fontRef>
+  </cs:plotArea3D>
+  <cs:seriesAxis>
+    <cs:lnRef idx="0"/>
+    <cs:fillRef idx="0"/>
+    <cs:effectRef idx="0"/>
+    <cs:fontRef idx="minor">
+      <a:schemeClr val="tx1">
+        <a:lumMod val="65000"/>
+        <a:lumOff val="35000"/>
+      </a:schemeClr>
+    </cs:fontRef>
+    <cs:defRPr sz="1197" kern="1200"/>
+  </cs:seriesAxis>
+  <cs:seriesLine>
+    <cs:lnRef idx="0"/>
+    <cs:fillRef idx="0"/>
+    <cs:effectRef idx="0"/>
+    <cs:fontRef idx="minor">
+      <a:schemeClr val="tx1"/>
+    </cs:fontRef>
+    <cs:spPr>
+      <a:ln w="9525" cap="flat" cmpd="sng" algn="ctr">
+        <a:solidFill>
+          <a:schemeClr val="tx1">
+            <a:lumMod val="35000"/>
+            <a:lumOff val="65000"/>
+          </a:schemeClr>
+        </a:solidFill>
+        <a:round/>
+      </a:ln>
+    </cs:spPr>
+  </cs:seriesLine>
+  <cs:title>
+    <cs:lnRef idx="0"/>
+    <cs:fillRef idx="0"/>
+    <cs:effectRef idx="0"/>
+    <cs:fontRef idx="minor">
+      <a:schemeClr val="tx1">
+        <a:lumMod val="65000"/>
+        <a:lumOff val="35000"/>
+      </a:schemeClr>
+    </cs:fontRef>
+    <cs:defRPr sz="1862" b="0" kern="1200" spc="0" baseline="0"/>
+  </cs:title>
+  <cs:trendline>
+    <cs:lnRef idx="0">
+      <cs:styleClr val="auto"/>
+    </cs:lnRef>
+    <cs:fillRef idx="0"/>
+    <cs:effectRef idx="0"/>
+    <cs:fontRef idx="minor">
+      <a:schemeClr val="tx1"/>
+    </cs:fontRef>
+    <cs:spPr>
+      <a:ln w="19050" cap="rnd">
+        <a:solidFill>
+          <a:schemeClr val="phClr"/>
+        </a:solidFill>
+        <a:prstDash val="sysDot"/>
+      </a:ln>
+    </cs:spPr>
+  </cs:trendline>
+  <cs:trendlineLabel>
+    <cs:lnRef idx="0"/>
+    <cs:fillRef idx="0"/>
+    <cs:effectRef idx="0"/>
+    <cs:fontRef idx="minor">
+      <a:schemeClr val="tx1">
+        <a:lumMod val="65000"/>
+        <a:lumOff val="35000"/>
+      </a:schemeClr>
+    </cs:fontRef>
+    <cs:defRPr sz="1197" kern="1200"/>
+  </cs:trendlineLabel>
+  <cs:upBar>
+    <cs:lnRef idx="0"/>
+    <cs:fillRef idx="0"/>
+    <cs:effectRef idx="0"/>
+    <cs:fontRef idx="minor">
+      <a:schemeClr val="tx1"/>
+    </cs:fontRef>
+    <cs:spPr>
+      <a:solidFill>
+        <a:schemeClr val="lt1"/>
+      </a:solidFill>
+      <a:ln w="9525" cap="flat" cmpd="sng" algn="ctr">
+        <a:solidFill>
+          <a:schemeClr val="tx1">
+            <a:lumMod val="65000"/>
+            <a:lumOff val="35000"/>
+          </a:schemeClr>
+        </a:solidFill>
+        <a:round/>
+      </a:ln>
+    </cs:spPr>
+  </cs:upBar>
+  <cs:valueAxis>
+    <cs:lnRef idx="0"/>
+    <cs:fillRef idx="0"/>
+    <cs:effectRef idx="0"/>
+    <cs:fontRef idx="minor">
+      <a:schemeClr val="tx1">
+        <a:lumMod val="65000"/>
+        <a:lumOff val="35000"/>
+      </a:schemeClr>
+    </cs:fontRef>
+    <cs:spPr>
+      <a:ln w="9525" cap="flat" cmpd="sng" algn="ctr">
+        <a:solidFill>
+          <a:schemeClr val="tx1">
+            <a:lumMod val="25000"/>
+            <a:lumOff val="75000"/>
+          </a:schemeClr>
+        </a:solidFill>
+        <a:round/>
+      </a:ln>
+    </cs:spPr>
+    <cs:defRPr sz="1197" kern="1200"/>
+  </cs:valueAxis>
+  <cs:wall>
+    <cs:lnRef idx="0"/>
+    <cs:fillRef idx="0"/>
+    <cs:effectRef idx="0"/>
+    <cs:fontRef idx="minor">
+      <a:schemeClr val="tx1"/>
+    </cs:fontRef>
+    <cs:spPr>
+      <a:noFill/>
+      <a:ln>
+        <a:noFill/>
+      </a:ln>
+    </cs:spPr>
+  </cs:wall>
+</cs:chartStyle>
+</file>
+
+<file path=ppt/charts/style7.xml><?xml version="1.0" encoding="utf-8"?>
 <cs:chartStyle xmlns:cs="http://schemas.microsoft.com/office/drawing/2012/chartStyle" xmlns:a="http://schemas.openxmlformats.org/drawingml/2006/main" id="240">
   <cs:axisTitle>
     <cs:lnRef idx="0"/>
@@ -6924,7 +8872,7 @@
           <a:p>
             <a:fld id="{DBCE6A48-A1FA-4309-971F-250051ED802F}" type="datetimeFigureOut">
               <a:rPr kumimoji="1" lang="ja-JP" altLang="en-US" smtClean="0"/>
-              <a:t>2024/2/11</a:t>
+              <a:t>2024/2/12</a:t>
             </a:fld>
             <a:endParaRPr kumimoji="1" lang="ja-JP" altLang="en-US"/>
           </a:p>
@@ -7231,6 +9179,240 @@
         <p:cNvPr id="1" name="">
           <a:extLst>
             <a:ext uri="{FF2B5EF4-FFF2-40B4-BE49-F238E27FC236}">
+              <a16:creationId xmlns:a16="http://schemas.microsoft.com/office/drawing/2014/main" id="{E85DA44B-44CA-E108-5F4A-44DA2AC9384C}"/>
+            </a:ext>
+          </a:extLst>
+        </p:cNvPr>
+        <p:cNvGrpSpPr/>
+        <p:nvPr/>
+      </p:nvGrpSpPr>
+      <p:grpSpPr>
+        <a:xfrm>
+          <a:off x="0" y="0"/>
+          <a:ext cx="0" cy="0"/>
+          <a:chOff x="0" y="0"/>
+          <a:chExt cx="0" cy="0"/>
+        </a:xfrm>
+      </p:grpSpPr>
+      <p:sp>
+        <p:nvSpPr>
+          <p:cNvPr id="2" name="スライド イメージ プレースホルダー 1">
+            <a:extLst>
+              <a:ext uri="{FF2B5EF4-FFF2-40B4-BE49-F238E27FC236}">
+                <a16:creationId xmlns:a16="http://schemas.microsoft.com/office/drawing/2014/main" id="{1EE42983-E01E-1902-62E6-1B173520D183}"/>
+              </a:ext>
+            </a:extLst>
+          </p:cNvPr>
+          <p:cNvSpPr>
+            <a:spLocks noGrp="1" noRot="1" noChangeAspect="1"/>
+          </p:cNvSpPr>
+          <p:nvPr>
+            <p:ph type="sldImg"/>
+          </p:nvPr>
+        </p:nvSpPr>
+        <p:spPr>
+          <a:xfrm>
+            <a:off x="1885950" y="1143000"/>
+            <a:ext cx="3086100" cy="3086100"/>
+          </a:xfrm>
+        </p:spPr>
+      </p:sp>
+      <p:sp>
+        <p:nvSpPr>
+          <p:cNvPr id="3" name="ノート プレースホルダー 2">
+            <a:extLst>
+              <a:ext uri="{FF2B5EF4-FFF2-40B4-BE49-F238E27FC236}">
+                <a16:creationId xmlns:a16="http://schemas.microsoft.com/office/drawing/2014/main" id="{C10D3CB6-3F3A-144D-E9C7-F7BE183F96DF}"/>
+              </a:ext>
+            </a:extLst>
+          </p:cNvPr>
+          <p:cNvSpPr>
+            <a:spLocks noGrp="1"/>
+          </p:cNvSpPr>
+          <p:nvPr>
+            <p:ph type="body" idx="1"/>
+          </p:nvPr>
+        </p:nvSpPr>
+        <p:spPr/>
+        <p:txBody>
+          <a:bodyPr/>
+          <a:lstStyle/>
+          <a:p>
+            <a:r>
+              <a:rPr kumimoji="1" lang="en-US" altLang="ja-JP" dirty="0"/>
+              <a:t>insert</a:t>
+            </a:r>
+            <a:endParaRPr kumimoji="1" lang="ja-JP" altLang="en-US" dirty="0"/>
+          </a:p>
+        </p:txBody>
+      </p:sp>
+      <p:sp>
+        <p:nvSpPr>
+          <p:cNvPr id="4" name="スライド番号プレースホルダー 3">
+            <a:extLst>
+              <a:ext uri="{FF2B5EF4-FFF2-40B4-BE49-F238E27FC236}">
+                <a16:creationId xmlns:a16="http://schemas.microsoft.com/office/drawing/2014/main" id="{EC4CF6B3-E7A3-B01E-4AD9-FB291AFA7398}"/>
+              </a:ext>
+            </a:extLst>
+          </p:cNvPr>
+          <p:cNvSpPr>
+            <a:spLocks noGrp="1"/>
+          </p:cNvSpPr>
+          <p:nvPr>
+            <p:ph type="sldNum" sz="quarter" idx="5"/>
+          </p:nvPr>
+        </p:nvSpPr>
+        <p:spPr/>
+        <p:txBody>
+          <a:bodyPr/>
+          <a:lstStyle/>
+          <a:p>
+            <a:fld id="{93781164-4F73-4C8E-B265-9C48118E51C3}" type="slidenum">
+              <a:rPr kumimoji="1" lang="ja-JP" altLang="en-US" smtClean="0"/>
+              <a:t>2</a:t>
+            </a:fld>
+            <a:endParaRPr kumimoji="1" lang="ja-JP" altLang="en-US"/>
+          </a:p>
+        </p:txBody>
+      </p:sp>
+    </p:spTree>
+    <p:extLst>
+      <p:ext uri="{BB962C8B-B14F-4D97-AF65-F5344CB8AC3E}">
+        <p14:creationId xmlns:p14="http://schemas.microsoft.com/office/powerpoint/2010/main" val="1750371252"/>
+      </p:ext>
+    </p:extLst>
+  </p:cSld>
+  <p:clrMapOvr>
+    <a:masterClrMapping/>
+  </p:clrMapOvr>
+</p:notes>
+</file>
+
+<file path=ppt/notesSlides/notesSlide2.xml><?xml version="1.0" encoding="utf-8"?>
+<p:notes xmlns:a="http://schemas.openxmlformats.org/drawingml/2006/main" xmlns:r="http://schemas.openxmlformats.org/officeDocument/2006/relationships" xmlns:p="http://schemas.openxmlformats.org/presentationml/2006/main">
+  <p:cSld>
+    <p:spTree>
+      <p:nvGrpSpPr>
+        <p:cNvPr id="1" name="">
+          <a:extLst>
+            <a:ext uri="{FF2B5EF4-FFF2-40B4-BE49-F238E27FC236}">
+              <a16:creationId xmlns:a16="http://schemas.microsoft.com/office/drawing/2014/main" id="{4BC6A142-5DEB-FF19-91AB-D62115101EC3}"/>
+            </a:ext>
+          </a:extLst>
+        </p:cNvPr>
+        <p:cNvGrpSpPr/>
+        <p:nvPr/>
+      </p:nvGrpSpPr>
+      <p:grpSpPr>
+        <a:xfrm>
+          <a:off x="0" y="0"/>
+          <a:ext cx="0" cy="0"/>
+          <a:chOff x="0" y="0"/>
+          <a:chExt cx="0" cy="0"/>
+        </a:xfrm>
+      </p:grpSpPr>
+      <p:sp>
+        <p:nvSpPr>
+          <p:cNvPr id="2" name="スライド イメージ プレースホルダー 1">
+            <a:extLst>
+              <a:ext uri="{FF2B5EF4-FFF2-40B4-BE49-F238E27FC236}">
+                <a16:creationId xmlns:a16="http://schemas.microsoft.com/office/drawing/2014/main" id="{53D0C5A5-E9FA-6927-5811-6F30501B25B6}"/>
+              </a:ext>
+            </a:extLst>
+          </p:cNvPr>
+          <p:cNvSpPr>
+            <a:spLocks noGrp="1" noRot="1" noChangeAspect="1"/>
+          </p:cNvSpPr>
+          <p:nvPr>
+            <p:ph type="sldImg"/>
+          </p:nvPr>
+        </p:nvSpPr>
+        <p:spPr>
+          <a:xfrm>
+            <a:off x="1885950" y="1143000"/>
+            <a:ext cx="3086100" cy="3086100"/>
+          </a:xfrm>
+        </p:spPr>
+      </p:sp>
+      <p:sp>
+        <p:nvSpPr>
+          <p:cNvPr id="3" name="ノート プレースホルダー 2">
+            <a:extLst>
+              <a:ext uri="{FF2B5EF4-FFF2-40B4-BE49-F238E27FC236}">
+                <a16:creationId xmlns:a16="http://schemas.microsoft.com/office/drawing/2014/main" id="{4C9B5CE7-3463-18D4-ADF2-0999ABBB2C55}"/>
+              </a:ext>
+            </a:extLst>
+          </p:cNvPr>
+          <p:cNvSpPr>
+            <a:spLocks noGrp="1"/>
+          </p:cNvSpPr>
+          <p:nvPr>
+            <p:ph type="body" idx="1"/>
+          </p:nvPr>
+        </p:nvSpPr>
+        <p:spPr/>
+        <p:txBody>
+          <a:bodyPr/>
+          <a:lstStyle/>
+          <a:p>
+            <a:r>
+              <a:rPr kumimoji="1" lang="en-US" altLang="ja-JP" dirty="0"/>
+              <a:t>insert</a:t>
+            </a:r>
+            <a:endParaRPr kumimoji="1" lang="ja-JP" altLang="en-US" dirty="0"/>
+          </a:p>
+        </p:txBody>
+      </p:sp>
+      <p:sp>
+        <p:nvSpPr>
+          <p:cNvPr id="4" name="スライド番号プレースホルダー 3">
+            <a:extLst>
+              <a:ext uri="{FF2B5EF4-FFF2-40B4-BE49-F238E27FC236}">
+                <a16:creationId xmlns:a16="http://schemas.microsoft.com/office/drawing/2014/main" id="{C30794DB-E9BE-945A-0B5F-7FFD6288E3A2}"/>
+              </a:ext>
+            </a:extLst>
+          </p:cNvPr>
+          <p:cNvSpPr>
+            <a:spLocks noGrp="1"/>
+          </p:cNvSpPr>
+          <p:nvPr>
+            <p:ph type="sldNum" sz="quarter" idx="5"/>
+          </p:nvPr>
+        </p:nvSpPr>
+        <p:spPr/>
+        <p:txBody>
+          <a:bodyPr/>
+          <a:lstStyle/>
+          <a:p>
+            <a:fld id="{93781164-4F73-4C8E-B265-9C48118E51C3}" type="slidenum">
+              <a:rPr kumimoji="1" lang="ja-JP" altLang="en-US" smtClean="0"/>
+              <a:t>3</a:t>
+            </a:fld>
+            <a:endParaRPr kumimoji="1" lang="ja-JP" altLang="en-US"/>
+          </a:p>
+        </p:txBody>
+      </p:sp>
+    </p:spTree>
+    <p:extLst>
+      <p:ext uri="{BB962C8B-B14F-4D97-AF65-F5344CB8AC3E}">
+        <p14:creationId xmlns:p14="http://schemas.microsoft.com/office/powerpoint/2010/main" val="4057833770"/>
+      </p:ext>
+    </p:extLst>
+  </p:cSld>
+  <p:clrMapOvr>
+    <a:masterClrMapping/>
+  </p:clrMapOvr>
+</p:notes>
+</file>
+
+<file path=ppt/notesSlides/notesSlide3.xml><?xml version="1.0" encoding="utf-8"?>
+<p:notes xmlns:a="http://schemas.openxmlformats.org/drawingml/2006/main" xmlns:r="http://schemas.openxmlformats.org/officeDocument/2006/relationships" xmlns:p="http://schemas.openxmlformats.org/presentationml/2006/main">
+  <p:cSld>
+    <p:spTree>
+      <p:nvGrpSpPr>
+        <p:cNvPr id="1" name="">
+          <a:extLst>
+            <a:ext uri="{FF2B5EF4-FFF2-40B4-BE49-F238E27FC236}">
               <a16:creationId xmlns:a16="http://schemas.microsoft.com/office/drawing/2014/main" id="{AFCBDC8B-F7F0-25AB-1A2B-B5C155765047}"/>
             </a:ext>
           </a:extLst>
@@ -7321,7 +9503,7 @@
           <a:p>
             <a:fld id="{93781164-4F73-4C8E-B265-9C48118E51C3}" type="slidenum">
               <a:rPr kumimoji="1" lang="ja-JP" altLang="en-US" smtClean="0"/>
-              <a:t>2</a:t>
+              <a:t>4</a:t>
             </a:fld>
             <a:endParaRPr kumimoji="1" lang="ja-JP" altLang="en-US"/>
           </a:p>
@@ -7340,7 +9522,7 @@
 </p:notes>
 </file>
 
-<file path=ppt/notesSlides/notesSlide2.xml><?xml version="1.0" encoding="utf-8"?>
+<file path=ppt/notesSlides/notesSlide4.xml><?xml version="1.0" encoding="utf-8"?>
 <p:notes xmlns:a="http://schemas.openxmlformats.org/drawingml/2006/main" xmlns:r="http://schemas.openxmlformats.org/officeDocument/2006/relationships" xmlns:p="http://schemas.openxmlformats.org/presentationml/2006/main">
   <p:cSld>
     <p:spTree>
@@ -7438,7 +9620,7 @@
           <a:p>
             <a:fld id="{93781164-4F73-4C8E-B265-9C48118E51C3}" type="slidenum">
               <a:rPr kumimoji="1" lang="ja-JP" altLang="en-US" smtClean="0"/>
-              <a:t>3</a:t>
+              <a:t>5</a:t>
             </a:fld>
             <a:endParaRPr kumimoji="1" lang="ja-JP" altLang="en-US"/>
           </a:p>
@@ -7457,7 +9639,7 @@
 </p:notes>
 </file>
 
-<file path=ppt/notesSlides/notesSlide3.xml><?xml version="1.0" encoding="utf-8"?>
+<file path=ppt/notesSlides/notesSlide5.xml><?xml version="1.0" encoding="utf-8"?>
 <p:notes xmlns:a="http://schemas.openxmlformats.org/drawingml/2006/main" xmlns:r="http://schemas.openxmlformats.org/officeDocument/2006/relationships" xmlns:p="http://schemas.openxmlformats.org/presentationml/2006/main">
   <p:cSld>
     <p:spTree>
@@ -7555,7 +9737,7 @@
           <a:p>
             <a:fld id="{93781164-4F73-4C8E-B265-9C48118E51C3}" type="slidenum">
               <a:rPr kumimoji="1" lang="ja-JP" altLang="en-US" smtClean="0"/>
-              <a:t>4</a:t>
+              <a:t>6</a:t>
             </a:fld>
             <a:endParaRPr kumimoji="1" lang="ja-JP" altLang="en-US"/>
           </a:p>
@@ -7574,7 +9756,7 @@
 </p:notes>
 </file>
 
-<file path=ppt/notesSlides/notesSlide4.xml><?xml version="1.0" encoding="utf-8"?>
+<file path=ppt/notesSlides/notesSlide6.xml><?xml version="1.0" encoding="utf-8"?>
 <p:notes xmlns:a="http://schemas.openxmlformats.org/drawingml/2006/main" xmlns:r="http://schemas.openxmlformats.org/officeDocument/2006/relationships" xmlns:p="http://schemas.openxmlformats.org/presentationml/2006/main">
   <p:cSld>
     <p:spTree>
@@ -7672,7 +9854,7 @@
           <a:p>
             <a:fld id="{93781164-4F73-4C8E-B265-9C48118E51C3}" type="slidenum">
               <a:rPr kumimoji="1" lang="ja-JP" altLang="en-US" smtClean="0"/>
-              <a:t>5</a:t>
+              <a:t>7</a:t>
             </a:fld>
             <a:endParaRPr kumimoji="1" lang="ja-JP" altLang="en-US"/>
           </a:p>
@@ -7822,7 +10004,7 @@
           <a:p>
             <a:fld id="{084FC26D-2879-44C1-A7E8-03443A36CBFD}" type="datetimeFigureOut">
               <a:rPr kumimoji="1" lang="ja-JP" altLang="en-US" smtClean="0"/>
-              <a:t>2024/2/11</a:t>
+              <a:t>2024/2/12</a:t>
             </a:fld>
             <a:endParaRPr kumimoji="1" lang="ja-JP" altLang="en-US"/>
           </a:p>
@@ -8040,7 +10222,7 @@
           <a:p>
             <a:fld id="{084FC26D-2879-44C1-A7E8-03443A36CBFD}" type="datetimeFigureOut">
               <a:rPr kumimoji="1" lang="ja-JP" altLang="en-US" smtClean="0"/>
-              <a:t>2024/2/11</a:t>
+              <a:t>2024/2/12</a:t>
             </a:fld>
             <a:endParaRPr kumimoji="1" lang="ja-JP" altLang="en-US"/>
           </a:p>
@@ -8252,7 +10434,7 @@
           <a:p>
             <a:fld id="{084FC26D-2879-44C1-A7E8-03443A36CBFD}" type="datetimeFigureOut">
               <a:rPr kumimoji="1" lang="ja-JP" altLang="en-US" smtClean="0"/>
-              <a:t>2024/2/11</a:t>
+              <a:t>2024/2/12</a:t>
             </a:fld>
             <a:endParaRPr kumimoji="1" lang="ja-JP" altLang="en-US"/>
           </a:p>
@@ -8454,7 +10636,7 @@
           <a:p>
             <a:fld id="{084FC26D-2879-44C1-A7E8-03443A36CBFD}" type="datetimeFigureOut">
               <a:rPr kumimoji="1" lang="ja-JP" altLang="en-US" smtClean="0"/>
-              <a:t>2024/2/11</a:t>
+              <a:t>2024/2/12</a:t>
             </a:fld>
             <a:endParaRPr kumimoji="1" lang="ja-JP" altLang="en-US"/>
           </a:p>
@@ -8698,7 +10880,7 @@
           <a:p>
             <a:fld id="{084FC26D-2879-44C1-A7E8-03443A36CBFD}" type="datetimeFigureOut">
               <a:rPr kumimoji="1" lang="ja-JP" altLang="en-US" smtClean="0"/>
-              <a:t>2024/2/11</a:t>
+              <a:t>2024/2/12</a:t>
             </a:fld>
             <a:endParaRPr kumimoji="1" lang="ja-JP" altLang="en-US"/>
           </a:p>
@@ -8994,7 +11176,7 @@
           <a:p>
             <a:fld id="{084FC26D-2879-44C1-A7E8-03443A36CBFD}" type="datetimeFigureOut">
               <a:rPr kumimoji="1" lang="ja-JP" altLang="en-US" smtClean="0"/>
-              <a:t>2024/2/11</a:t>
+              <a:t>2024/2/12</a:t>
             </a:fld>
             <a:endParaRPr kumimoji="1" lang="ja-JP" altLang="en-US"/>
           </a:p>
@@ -9425,7 +11607,7 @@
           <a:p>
             <a:fld id="{084FC26D-2879-44C1-A7E8-03443A36CBFD}" type="datetimeFigureOut">
               <a:rPr kumimoji="1" lang="ja-JP" altLang="en-US" smtClean="0"/>
-              <a:t>2024/2/11</a:t>
+              <a:t>2024/2/12</a:t>
             </a:fld>
             <a:endParaRPr kumimoji="1" lang="ja-JP" altLang="en-US"/>
           </a:p>
@@ -9543,7 +11725,7 @@
           <a:p>
             <a:fld id="{084FC26D-2879-44C1-A7E8-03443A36CBFD}" type="datetimeFigureOut">
               <a:rPr kumimoji="1" lang="ja-JP" altLang="en-US" smtClean="0"/>
-              <a:t>2024/2/11</a:t>
+              <a:t>2024/2/12</a:t>
             </a:fld>
             <a:endParaRPr kumimoji="1" lang="ja-JP" altLang="en-US"/>
           </a:p>
@@ -9638,7 +11820,7 @@
           <a:p>
             <a:fld id="{084FC26D-2879-44C1-A7E8-03443A36CBFD}" type="datetimeFigureOut">
               <a:rPr kumimoji="1" lang="ja-JP" altLang="en-US" smtClean="0"/>
-              <a:t>2024/2/11</a:t>
+              <a:t>2024/2/12</a:t>
             </a:fld>
             <a:endParaRPr kumimoji="1" lang="ja-JP" altLang="en-US"/>
           </a:p>
@@ -9963,7 +12145,7 @@
           <a:p>
             <a:fld id="{084FC26D-2879-44C1-A7E8-03443A36CBFD}" type="datetimeFigureOut">
               <a:rPr kumimoji="1" lang="ja-JP" altLang="en-US" smtClean="0"/>
-              <a:t>2024/2/11</a:t>
+              <a:t>2024/2/12</a:t>
             </a:fld>
             <a:endParaRPr kumimoji="1" lang="ja-JP" altLang="en-US"/>
           </a:p>
@@ -10220,7 +12402,7 @@
           <a:p>
             <a:fld id="{084FC26D-2879-44C1-A7E8-03443A36CBFD}" type="datetimeFigureOut">
               <a:rPr kumimoji="1" lang="ja-JP" altLang="en-US" smtClean="0"/>
-              <a:t>2024/2/11</a:t>
+              <a:t>2024/2/12</a:t>
             </a:fld>
             <a:endParaRPr kumimoji="1" lang="ja-JP" altLang="en-US"/>
           </a:p>
@@ -10465,7 +12647,7 @@
           <a:p>
             <a:fld id="{084FC26D-2879-44C1-A7E8-03443A36CBFD}" type="datetimeFigureOut">
               <a:rPr kumimoji="1" lang="ja-JP" altLang="en-US" smtClean="0"/>
-              <a:t>2024/2/11</a:t>
+              <a:t>2024/2/12</a:t>
             </a:fld>
             <a:endParaRPr kumimoji="1" lang="ja-JP" altLang="en-US"/>
           </a:p>
@@ -11038,6 +13220,386 @@
         <p:cNvPr id="1" name="">
           <a:extLst>
             <a:ext uri="{FF2B5EF4-FFF2-40B4-BE49-F238E27FC236}">
+              <a16:creationId xmlns:a16="http://schemas.microsoft.com/office/drawing/2014/main" id="{3350B7A9-99A3-7AE0-3767-EC7617E9165C}"/>
+            </a:ext>
+          </a:extLst>
+        </p:cNvPr>
+        <p:cNvGrpSpPr/>
+        <p:nvPr/>
+      </p:nvGrpSpPr>
+      <p:grpSpPr>
+        <a:xfrm>
+          <a:off x="0" y="0"/>
+          <a:ext cx="0" cy="0"/>
+          <a:chOff x="0" y="0"/>
+          <a:chExt cx="0" cy="0"/>
+        </a:xfrm>
+      </p:grpSpPr>
+      <p:grpSp>
+        <p:nvGrpSpPr>
+          <p:cNvPr id="12" name="グループ化 11">
+            <a:extLst>
+              <a:ext uri="{FF2B5EF4-FFF2-40B4-BE49-F238E27FC236}">
+                <a16:creationId xmlns:a16="http://schemas.microsoft.com/office/drawing/2014/main" id="{D9BF90F1-2660-08D4-BABA-FE926D21F4F3}"/>
+              </a:ext>
+            </a:extLst>
+          </p:cNvPr>
+          <p:cNvGrpSpPr/>
+          <p:nvPr/>
+        </p:nvGrpSpPr>
+        <p:grpSpPr>
+          <a:xfrm>
+            <a:off x="-21439" y="0"/>
+            <a:ext cx="5422114" cy="5092900"/>
+            <a:chOff x="-27664" y="5764"/>
+            <a:chExt cx="2797587" cy="1307449"/>
+          </a:xfrm>
+        </p:grpSpPr>
+        <p:graphicFrame>
+          <p:nvGraphicFramePr>
+            <p:cNvPr id="13" name="グラフ 12">
+              <a:extLst>
+                <a:ext uri="{FF2B5EF4-FFF2-40B4-BE49-F238E27FC236}">
+                  <a16:creationId xmlns:a16="http://schemas.microsoft.com/office/drawing/2014/main" id="{470FA320-1D74-132A-E3E0-AE588B12ABEA}"/>
+                </a:ext>
+              </a:extLst>
+            </p:cNvPr>
+            <p:cNvGraphicFramePr/>
+            <p:nvPr>
+              <p:extLst>
+                <p:ext uri="{D42A27DB-BD31-4B8C-83A1-F6EECF244321}">
+                  <p14:modId xmlns:p14="http://schemas.microsoft.com/office/powerpoint/2010/main" val="2006649397"/>
+                </p:ext>
+              </p:extLst>
+            </p:nvPr>
+          </p:nvGraphicFramePr>
+          <p:xfrm>
+            <a:off x="134416" y="5764"/>
+            <a:ext cx="2635507" cy="1307449"/>
+          </p:xfrm>
+          <a:graphic>
+            <a:graphicData uri="http://schemas.openxmlformats.org/drawingml/2006/chart">
+              <c:chart xmlns:c="http://schemas.openxmlformats.org/drawingml/2006/chart" xmlns:r="http://schemas.openxmlformats.org/officeDocument/2006/relationships" r:id="rId3"/>
+            </a:graphicData>
+          </a:graphic>
+        </p:graphicFrame>
+        <p:sp>
+          <p:nvSpPr>
+            <p:cNvPr id="15" name="テキスト ボックス 14">
+              <a:extLst>
+                <a:ext uri="{FF2B5EF4-FFF2-40B4-BE49-F238E27FC236}">
+                  <a16:creationId xmlns:a16="http://schemas.microsoft.com/office/drawing/2014/main" id="{C2B74B30-A90B-31BF-BD22-87D9B49ED165}"/>
+                </a:ext>
+              </a:extLst>
+            </p:cNvPr>
+            <p:cNvSpPr txBox="1"/>
+            <p:nvPr/>
+          </p:nvSpPr>
+          <p:spPr>
+            <a:xfrm rot="16200000">
+              <a:off x="-297500" y="607182"/>
+              <a:ext cx="701752" cy="162080"/>
+            </a:xfrm>
+            <a:prstGeom prst="rect">
+              <a:avLst/>
+            </a:prstGeom>
+            <a:noFill/>
+          </p:spPr>
+          <p:txBody>
+            <a:bodyPr wrap="square" lIns="0" tIns="0" rIns="0" bIns="0" rtlCol="0">
+              <a:spAutoFit/>
+            </a:bodyPr>
+            <a:lstStyle/>
+            <a:p>
+              <a:pPr algn="ctr"/>
+              <a:r>
+                <a:rPr kumimoji="1" lang="ja-JP" altLang="en-US" sz="2000" dirty="0">
+                  <a:latin typeface="Cambria Math" panose="02040503050406030204" pitchFamily="18" charset="0"/>
+                  <a:ea typeface="Cambria Math" panose="02040503050406030204" pitchFamily="18" charset="0"/>
+                </a:rPr>
+                <a:t>スループット</a:t>
+              </a:r>
+              <a:r>
+                <a:rPr kumimoji="1" lang="en-US" altLang="ja-JP" sz="2000" dirty="0">
+                  <a:latin typeface="Cambria Math" panose="02040503050406030204" pitchFamily="18" charset="0"/>
+                  <a:ea typeface="Cambria Math" panose="02040503050406030204" pitchFamily="18" charset="0"/>
+                </a:rPr>
+                <a:t> [</a:t>
+              </a:r>
+              <a:r>
+                <a:rPr kumimoji="1" lang="en-US" altLang="ja-JP" sz="2000" dirty="0" err="1">
+                  <a:latin typeface="Cambria Math" panose="02040503050406030204" pitchFamily="18" charset="0"/>
+                  <a:ea typeface="Cambria Math" panose="02040503050406030204" pitchFamily="18" charset="0"/>
+                </a:rPr>
+                <a:t>MRec</a:t>
+              </a:r>
+              <a:r>
+                <a:rPr kumimoji="1" lang="en-US" altLang="ja-JP" sz="2000" dirty="0">
+                  <a:latin typeface="Cambria Math" panose="02040503050406030204" pitchFamily="18" charset="0"/>
+                  <a:ea typeface="Cambria Math" panose="02040503050406030204" pitchFamily="18" charset="0"/>
+                </a:rPr>
+                <a:t>/s]</a:t>
+              </a:r>
+              <a:endParaRPr kumimoji="1" lang="ja-JP" altLang="en-US" sz="2000" dirty="0">
+                <a:latin typeface="Cambria Math" panose="02040503050406030204" pitchFamily="18" charset="0"/>
+              </a:endParaRPr>
+            </a:p>
+          </p:txBody>
+        </p:sp>
+      </p:grpSp>
+      <p:sp>
+        <p:nvSpPr>
+          <p:cNvPr id="2" name="テキスト ボックス 1">
+            <a:extLst>
+              <a:ext uri="{FF2B5EF4-FFF2-40B4-BE49-F238E27FC236}">
+                <a16:creationId xmlns:a16="http://schemas.microsoft.com/office/drawing/2014/main" id="{AF4E07EF-FB0A-A798-0498-08E6D9D41299}"/>
+              </a:ext>
+            </a:extLst>
+          </p:cNvPr>
+          <p:cNvSpPr txBox="1"/>
+          <p:nvPr/>
+        </p:nvSpPr>
+        <p:spPr>
+          <a:xfrm>
+            <a:off x="559821" y="5092898"/>
+            <a:ext cx="4281033" cy="307777"/>
+          </a:xfrm>
+          <a:prstGeom prst="rect">
+            <a:avLst/>
+          </a:prstGeom>
+          <a:noFill/>
+        </p:spPr>
+        <p:txBody>
+          <a:bodyPr wrap="square" lIns="0" tIns="0" rIns="0" bIns="0" rtlCol="0">
+            <a:spAutoFit/>
+          </a:bodyPr>
+          <a:lstStyle/>
+          <a:p>
+            <a:pPr algn="ctr"/>
+            <a:r>
+              <a:rPr kumimoji="1" lang="ja-JP" altLang="en-US" sz="2000" dirty="0">
+                <a:latin typeface="Cambria Math" panose="02040503050406030204" pitchFamily="18" charset="0"/>
+                <a:ea typeface="Cambria Math" panose="02040503050406030204" pitchFamily="18" charset="0"/>
+              </a:rPr>
+              <a:t>ページサイズ</a:t>
+            </a:r>
+            <a:endParaRPr kumimoji="1" lang="ja-JP" altLang="en-US" sz="2000" dirty="0">
+              <a:latin typeface="Cambria Math" panose="02040503050406030204" pitchFamily="18" charset="0"/>
+            </a:endParaRPr>
+          </a:p>
+        </p:txBody>
+      </p:sp>
+    </p:spTree>
+    <p:extLst>
+      <p:ext uri="{BB962C8B-B14F-4D97-AF65-F5344CB8AC3E}">
+        <p14:creationId xmlns:p14="http://schemas.microsoft.com/office/powerpoint/2010/main" val="1285637588"/>
+      </p:ext>
+    </p:extLst>
+  </p:cSld>
+  <p:clrMapOvr>
+    <a:masterClrMapping/>
+  </p:clrMapOvr>
+</p:sld>
+</file>
+
+<file path=ppt/slides/slide3.xml><?xml version="1.0" encoding="utf-8"?>
+<p:sld xmlns:a="http://schemas.openxmlformats.org/drawingml/2006/main" xmlns:r="http://schemas.openxmlformats.org/officeDocument/2006/relationships" xmlns:p="http://schemas.openxmlformats.org/presentationml/2006/main" show="0">
+  <p:cSld>
+    <p:spTree>
+      <p:nvGrpSpPr>
+        <p:cNvPr id="1" name="">
+          <a:extLst>
+            <a:ext uri="{FF2B5EF4-FFF2-40B4-BE49-F238E27FC236}">
+              <a16:creationId xmlns:a16="http://schemas.microsoft.com/office/drawing/2014/main" id="{C072BBDC-6346-BEE0-3698-9B7E9EDE2545}"/>
+            </a:ext>
+          </a:extLst>
+        </p:cNvPr>
+        <p:cNvGrpSpPr/>
+        <p:nvPr/>
+      </p:nvGrpSpPr>
+      <p:grpSpPr>
+        <a:xfrm>
+          <a:off x="0" y="0"/>
+          <a:ext cx="0" cy="0"/>
+          <a:chOff x="0" y="0"/>
+          <a:chExt cx="0" cy="0"/>
+        </a:xfrm>
+      </p:grpSpPr>
+      <p:grpSp>
+        <p:nvGrpSpPr>
+          <p:cNvPr id="12" name="グループ化 11">
+            <a:extLst>
+              <a:ext uri="{FF2B5EF4-FFF2-40B4-BE49-F238E27FC236}">
+                <a16:creationId xmlns:a16="http://schemas.microsoft.com/office/drawing/2014/main" id="{B3377944-E194-E59D-5939-14DF2ED5F5A8}"/>
+              </a:ext>
+            </a:extLst>
+          </p:cNvPr>
+          <p:cNvGrpSpPr/>
+          <p:nvPr/>
+        </p:nvGrpSpPr>
+        <p:grpSpPr>
+          <a:xfrm>
+            <a:off x="-21439" y="0"/>
+            <a:ext cx="5422114" cy="5092900"/>
+            <a:chOff x="-27664" y="5764"/>
+            <a:chExt cx="2797587" cy="1307449"/>
+          </a:xfrm>
+        </p:grpSpPr>
+        <p:graphicFrame>
+          <p:nvGraphicFramePr>
+            <p:cNvPr id="13" name="グラフ 12">
+              <a:extLst>
+                <a:ext uri="{FF2B5EF4-FFF2-40B4-BE49-F238E27FC236}">
+                  <a16:creationId xmlns:a16="http://schemas.microsoft.com/office/drawing/2014/main" id="{A5E0494C-555C-9E6E-4DAF-19FA90A0B845}"/>
+                </a:ext>
+              </a:extLst>
+            </p:cNvPr>
+            <p:cNvGraphicFramePr/>
+            <p:nvPr>
+              <p:extLst>
+                <p:ext uri="{D42A27DB-BD31-4B8C-83A1-F6EECF244321}">
+                  <p14:modId xmlns:p14="http://schemas.microsoft.com/office/powerpoint/2010/main" val="224118827"/>
+                </p:ext>
+              </p:extLst>
+            </p:nvPr>
+          </p:nvGraphicFramePr>
+          <p:xfrm>
+            <a:off x="134416" y="5764"/>
+            <a:ext cx="2635507" cy="1307449"/>
+          </p:xfrm>
+          <a:graphic>
+            <a:graphicData uri="http://schemas.openxmlformats.org/drawingml/2006/chart">
+              <c:chart xmlns:c="http://schemas.openxmlformats.org/drawingml/2006/chart" xmlns:r="http://schemas.openxmlformats.org/officeDocument/2006/relationships" r:id="rId3"/>
+            </a:graphicData>
+          </a:graphic>
+        </p:graphicFrame>
+        <p:sp>
+          <p:nvSpPr>
+            <p:cNvPr id="15" name="テキスト ボックス 14">
+              <a:extLst>
+                <a:ext uri="{FF2B5EF4-FFF2-40B4-BE49-F238E27FC236}">
+                  <a16:creationId xmlns:a16="http://schemas.microsoft.com/office/drawing/2014/main" id="{B3EC9425-51B0-73AE-99B3-702EAEE55D6B}"/>
+                </a:ext>
+              </a:extLst>
+            </p:cNvPr>
+            <p:cNvSpPr txBox="1"/>
+            <p:nvPr/>
+          </p:nvSpPr>
+          <p:spPr>
+            <a:xfrm rot="16200000">
+              <a:off x="-297500" y="607182"/>
+              <a:ext cx="701752" cy="162080"/>
+            </a:xfrm>
+            <a:prstGeom prst="rect">
+              <a:avLst/>
+            </a:prstGeom>
+            <a:noFill/>
+          </p:spPr>
+          <p:txBody>
+            <a:bodyPr wrap="square" lIns="0" tIns="0" rIns="0" bIns="0" rtlCol="0">
+              <a:spAutoFit/>
+            </a:bodyPr>
+            <a:lstStyle/>
+            <a:p>
+              <a:pPr algn="ctr"/>
+              <a:r>
+                <a:rPr kumimoji="1" lang="ja-JP" altLang="en-US" sz="2000" dirty="0">
+                  <a:latin typeface="Cambria Math" panose="02040503050406030204" pitchFamily="18" charset="0"/>
+                  <a:ea typeface="Cambria Math" panose="02040503050406030204" pitchFamily="18" charset="0"/>
+                </a:rPr>
+                <a:t>スループット</a:t>
+              </a:r>
+              <a:r>
+                <a:rPr kumimoji="1" lang="en-US" altLang="ja-JP" sz="2000" dirty="0">
+                  <a:latin typeface="Cambria Math" panose="02040503050406030204" pitchFamily="18" charset="0"/>
+                  <a:ea typeface="Cambria Math" panose="02040503050406030204" pitchFamily="18" charset="0"/>
+                </a:rPr>
+                <a:t> [</a:t>
+              </a:r>
+              <a:r>
+                <a:rPr kumimoji="1" lang="en-US" altLang="ja-JP" sz="2000" dirty="0" err="1">
+                  <a:latin typeface="Cambria Math" panose="02040503050406030204" pitchFamily="18" charset="0"/>
+                  <a:ea typeface="Cambria Math" panose="02040503050406030204" pitchFamily="18" charset="0"/>
+                </a:rPr>
+                <a:t>MRec</a:t>
+              </a:r>
+              <a:r>
+                <a:rPr kumimoji="1" lang="en-US" altLang="ja-JP" sz="2000" dirty="0">
+                  <a:latin typeface="Cambria Math" panose="02040503050406030204" pitchFamily="18" charset="0"/>
+                  <a:ea typeface="Cambria Math" panose="02040503050406030204" pitchFamily="18" charset="0"/>
+                </a:rPr>
+                <a:t>/s]</a:t>
+              </a:r>
+              <a:endParaRPr kumimoji="1" lang="ja-JP" altLang="en-US" sz="2000" dirty="0">
+                <a:latin typeface="Cambria Math" panose="02040503050406030204" pitchFamily="18" charset="0"/>
+              </a:endParaRPr>
+            </a:p>
+          </p:txBody>
+        </p:sp>
+      </p:grpSp>
+      <p:sp>
+        <p:nvSpPr>
+          <p:cNvPr id="2" name="テキスト ボックス 1">
+            <a:extLst>
+              <a:ext uri="{FF2B5EF4-FFF2-40B4-BE49-F238E27FC236}">
+                <a16:creationId xmlns:a16="http://schemas.microsoft.com/office/drawing/2014/main" id="{3D9F09DD-5279-250A-EEFB-D8BC47AEF019}"/>
+              </a:ext>
+            </a:extLst>
+          </p:cNvPr>
+          <p:cNvSpPr txBox="1"/>
+          <p:nvPr/>
+        </p:nvSpPr>
+        <p:spPr>
+          <a:xfrm>
+            <a:off x="559821" y="5092898"/>
+            <a:ext cx="4281033" cy="307777"/>
+          </a:xfrm>
+          <a:prstGeom prst="rect">
+            <a:avLst/>
+          </a:prstGeom>
+          <a:noFill/>
+        </p:spPr>
+        <p:txBody>
+          <a:bodyPr wrap="square" lIns="0" tIns="0" rIns="0" bIns="0" rtlCol="0">
+            <a:spAutoFit/>
+          </a:bodyPr>
+          <a:lstStyle/>
+          <a:p>
+            <a:pPr algn="ctr"/>
+            <a:r>
+              <a:rPr kumimoji="1" lang="ja-JP" altLang="en-US" sz="2000" dirty="0">
+                <a:latin typeface="Cambria Math" panose="02040503050406030204" pitchFamily="18" charset="0"/>
+                <a:ea typeface="Cambria Math" panose="02040503050406030204" pitchFamily="18" charset="0"/>
+              </a:rPr>
+              <a:t>ページサイズ</a:t>
+            </a:r>
+            <a:endParaRPr kumimoji="1" lang="ja-JP" altLang="en-US" sz="2000" dirty="0">
+              <a:latin typeface="Cambria Math" panose="02040503050406030204" pitchFamily="18" charset="0"/>
+            </a:endParaRPr>
+          </a:p>
+        </p:txBody>
+      </p:sp>
+    </p:spTree>
+    <p:extLst>
+      <p:ext uri="{BB962C8B-B14F-4D97-AF65-F5344CB8AC3E}">
+        <p14:creationId xmlns:p14="http://schemas.microsoft.com/office/powerpoint/2010/main" val="644712884"/>
+      </p:ext>
+    </p:extLst>
+  </p:cSld>
+  <p:clrMapOvr>
+    <a:masterClrMapping/>
+  </p:clrMapOvr>
+</p:sld>
+</file>
+
+<file path=ppt/slides/slide4.xml><?xml version="1.0" encoding="utf-8"?>
+<p:sld xmlns:a="http://schemas.openxmlformats.org/drawingml/2006/main" xmlns:r="http://schemas.openxmlformats.org/officeDocument/2006/relationships" xmlns:p="http://schemas.openxmlformats.org/presentationml/2006/main" show="0">
+  <p:cSld>
+    <p:spTree>
+      <p:nvGrpSpPr>
+        <p:cNvPr id="1" name="">
+          <a:extLst>
+            <a:ext uri="{FF2B5EF4-FFF2-40B4-BE49-F238E27FC236}">
               <a16:creationId xmlns:a16="http://schemas.microsoft.com/office/drawing/2014/main" id="{A88F3318-8C70-95A8-4CB8-BCDF56921A16}"/>
             </a:ext>
           </a:extLst>
@@ -11220,7 +13782,7 @@
 </p:sld>
 </file>
 
-<file path=ppt/slides/slide3.xml><?xml version="1.0" encoding="utf-8"?>
+<file path=ppt/slides/slide5.xml><?xml version="1.0" encoding="utf-8"?>
 <p:sld xmlns:a="http://schemas.openxmlformats.org/drawingml/2006/main" xmlns:r="http://schemas.openxmlformats.org/officeDocument/2006/relationships" xmlns:p="http://schemas.openxmlformats.org/presentationml/2006/main" show="0">
   <p:cSld>
     <p:spTree>
@@ -11410,7 +13972,7 @@
 </p:sld>
 </file>
 
-<file path=ppt/slides/slide4.xml><?xml version="1.0" encoding="utf-8"?>
+<file path=ppt/slides/slide6.xml><?xml version="1.0" encoding="utf-8"?>
 <p:sld xmlns:a="http://schemas.openxmlformats.org/drawingml/2006/main" xmlns:r="http://schemas.openxmlformats.org/officeDocument/2006/relationships" xmlns:p="http://schemas.openxmlformats.org/presentationml/2006/main" show="0">
   <p:cSld>
     <p:spTree>
@@ -11596,7 +14158,7 @@
 </p:sld>
 </file>
 
-<file path=ppt/slides/slide5.xml><?xml version="1.0" encoding="utf-8"?>
+<file path=ppt/slides/slide7.xml><?xml version="1.0" encoding="utf-8"?>
 <p:sld xmlns:a="http://schemas.openxmlformats.org/drawingml/2006/main" xmlns:r="http://schemas.openxmlformats.org/officeDocument/2006/relationships" xmlns:p="http://schemas.openxmlformats.org/presentationml/2006/main">
   <p:cSld>
     <p:spTree>
